--- a/AIHOPS/Docs/alpha.pptx
+++ b/AIHOPS/Docs/alpha.pptx
@@ -4,12 +4,17 @@
   <p:sldMasterIdLst>
     <p:sldMasterId id="2147484765" r:id="rId1"/>
   </p:sldMasterIdLst>
+  <p:notesMasterIdLst>
+    <p:notesMasterId r:id="rId9"/>
+  </p:notesMasterIdLst>
   <p:sldIdLst>
     <p:sldId id="256" r:id="rId2"/>
     <p:sldId id="257" r:id="rId3"/>
-    <p:sldId id="260" r:id="rId4"/>
-    <p:sldId id="258" r:id="rId5"/>
-    <p:sldId id="259" r:id="rId6"/>
+    <p:sldId id="261" r:id="rId4"/>
+    <p:sldId id="260" r:id="rId5"/>
+    <p:sldId id="258" r:id="rId6"/>
+    <p:sldId id="259" r:id="rId7"/>
+    <p:sldId id="262" r:id="rId8"/>
   </p:sldIdLst>
   <p:sldSz cx="12192000" cy="6858000"/>
   <p:notesSz cx="6858000" cy="9144000"/>
@@ -1915,7 +1920,7 @@
         <a:lstStyle/>
         <a:p>
           <a:r>
-            <a:rPr lang="en-US"/>
+            <a:rPr lang="en-US" dirty="0"/>
             <a:t>Gmail verification</a:t>
           </a:r>
         </a:p>
@@ -2324,7 +2329,7 @@
   <dgm:whole/>
   <dgm:extLst>
     <a:ext uri="http://schemas.microsoft.com/office/drawing/2008/diagram">
-      <dsp:dataModelExt xmlns:dsp="http://schemas.microsoft.com/office/drawing/2008/diagram" relId="rId6" minVer="http://schemas.openxmlformats.org/drawingml/2006/diagram"/>
+      <dsp:dataModelExt xmlns:dsp="http://schemas.microsoft.com/office/drawing/2008/diagram" relId="rId7" minVer="http://schemas.openxmlformats.org/drawingml/2006/diagram"/>
     </a:ext>
   </dgm:extLst>
 </dgm:dataModel>
@@ -2439,7 +2444,7 @@
             </a:lnSpc>
           </a:pPr>
           <a:r>
-            <a:rPr lang="en-US"/>
+            <a:rPr lang="en-US" dirty="0"/>
             <a:t>Prepare for next stages: Find quality resources and gain knowledge about website launching and maintenance</a:t>
           </a:r>
         </a:p>
@@ -2782,7 +2787,7 @@
   <dgm:whole/>
   <dgm:extLst>
     <a:ext uri="http://schemas.microsoft.com/office/drawing/2008/diagram">
-      <dsp:dataModelExt xmlns:dsp="http://schemas.microsoft.com/office/drawing/2008/diagram" relId="rId6" minVer="http://schemas.openxmlformats.org/drawingml/2006/diagram"/>
+      <dsp:dataModelExt xmlns:dsp="http://schemas.microsoft.com/office/drawing/2008/diagram" relId="rId7" minVer="http://schemas.openxmlformats.org/drawingml/2006/diagram"/>
     </a:ext>
   </dgm:extLst>
 </dgm:dataModel>
@@ -3171,7 +3176,7 @@
             <a:buChar char="•"/>
           </a:pPr>
           <a:r>
-            <a:rPr lang="en-US" sz="2000" kern="1200"/>
+            <a:rPr lang="en-US" sz="2000" kern="1200" dirty="0"/>
             <a:t>Gmail verification</a:t>
           </a:r>
         </a:p>
@@ -3906,7 +3911,7 @@
             <a:buNone/>
           </a:pPr>
           <a:r>
-            <a:rPr lang="en-US" sz="2200" kern="1200"/>
+            <a:rPr lang="en-US" sz="2200" kern="1200" dirty="0"/>
             <a:t>Prepare for next stages: Find quality resources and gain knowledge about website launching and maintenance</a:t>
           </a:r>
         </a:p>
@@ -6723,6 +6728,1128 @@
 </dgm:styleDef>
 </file>
 
+<file path=ppt/notesMasters/notesMaster1.xml><?xml version="1.0" encoding="utf-8"?>
+<p:notesMaster xmlns:a="http://schemas.openxmlformats.org/drawingml/2006/main" xmlns:r="http://schemas.openxmlformats.org/officeDocument/2006/relationships" xmlns:p="http://schemas.openxmlformats.org/presentationml/2006/main">
+  <p:cSld>
+    <p:bg>
+      <p:bgRef idx="1001">
+        <a:schemeClr val="bg1"/>
+      </p:bgRef>
+    </p:bg>
+    <p:spTree>
+      <p:nvGrpSpPr>
+        <p:cNvPr id="1" name=""/>
+        <p:cNvGrpSpPr/>
+        <p:nvPr/>
+      </p:nvGrpSpPr>
+      <p:grpSpPr>
+        <a:xfrm>
+          <a:off x="0" y="0"/>
+          <a:ext cx="0" cy="0"/>
+          <a:chOff x="0" y="0"/>
+          <a:chExt cx="0" cy="0"/>
+        </a:xfrm>
+      </p:grpSpPr>
+      <p:sp>
+        <p:nvSpPr>
+          <p:cNvPr id="2" name="Header Placeholder 1"/>
+          <p:cNvSpPr>
+            <a:spLocks noGrp="1"/>
+          </p:cNvSpPr>
+          <p:nvPr>
+            <p:ph type="hdr" sz="quarter"/>
+          </p:nvPr>
+        </p:nvSpPr>
+        <p:spPr>
+          <a:xfrm>
+            <a:off x="0" y="0"/>
+            <a:ext cx="2971800" cy="458788"/>
+          </a:xfrm>
+          <a:prstGeom prst="rect">
+            <a:avLst/>
+          </a:prstGeom>
+        </p:spPr>
+        <p:txBody>
+          <a:bodyPr vert="horz" lIns="91440" tIns="45720" rIns="91440" bIns="45720" rtlCol="0"/>
+          <a:lstStyle>
+            <a:lvl1pPr algn="l">
+              <a:defRPr sz="1200"/>
+            </a:lvl1pPr>
+          </a:lstStyle>
+          <a:p>
+            <a:endParaRPr lang="en-IL"/>
+          </a:p>
+        </p:txBody>
+      </p:sp>
+      <p:sp>
+        <p:nvSpPr>
+          <p:cNvPr id="3" name="Date Placeholder 2"/>
+          <p:cNvSpPr>
+            <a:spLocks noGrp="1"/>
+          </p:cNvSpPr>
+          <p:nvPr>
+            <p:ph type="dt" idx="1"/>
+          </p:nvPr>
+        </p:nvSpPr>
+        <p:spPr>
+          <a:xfrm>
+            <a:off x="3884613" y="0"/>
+            <a:ext cx="2971800" cy="458788"/>
+          </a:xfrm>
+          <a:prstGeom prst="rect">
+            <a:avLst/>
+          </a:prstGeom>
+        </p:spPr>
+        <p:txBody>
+          <a:bodyPr vert="horz" lIns="91440" tIns="45720" rIns="91440" bIns="45720" rtlCol="0"/>
+          <a:lstStyle>
+            <a:lvl1pPr algn="r">
+              <a:defRPr sz="1200"/>
+            </a:lvl1pPr>
+          </a:lstStyle>
+          <a:p>
+            <a:fld id="{A85CC25B-24B8-7941-AE41-08F272C07F84}" type="datetimeFigureOut">
+              <a:rPr lang="en-IL" smtClean="0"/>
+              <a:t>16/12/2024</a:t>
+            </a:fld>
+            <a:endParaRPr lang="en-IL"/>
+          </a:p>
+        </p:txBody>
+      </p:sp>
+      <p:sp>
+        <p:nvSpPr>
+          <p:cNvPr id="4" name="Slide Image Placeholder 3"/>
+          <p:cNvSpPr>
+            <a:spLocks noGrp="1" noRot="1" noChangeAspect="1"/>
+          </p:cNvSpPr>
+          <p:nvPr>
+            <p:ph type="sldImg" idx="2"/>
+          </p:nvPr>
+        </p:nvSpPr>
+        <p:spPr>
+          <a:xfrm>
+            <a:off x="685800" y="1143000"/>
+            <a:ext cx="5486400" cy="3086100"/>
+          </a:xfrm>
+          <a:prstGeom prst="rect">
+            <a:avLst/>
+          </a:prstGeom>
+          <a:noFill/>
+          <a:ln w="12700">
+            <a:solidFill>
+              <a:prstClr val="black"/>
+            </a:solidFill>
+          </a:ln>
+        </p:spPr>
+        <p:txBody>
+          <a:bodyPr vert="horz" lIns="91440" tIns="45720" rIns="91440" bIns="45720" rtlCol="0" anchor="ctr"/>
+          <a:lstStyle/>
+          <a:p>
+            <a:endParaRPr lang="en-IL"/>
+          </a:p>
+        </p:txBody>
+      </p:sp>
+      <p:sp>
+        <p:nvSpPr>
+          <p:cNvPr id="5" name="Notes Placeholder 4"/>
+          <p:cNvSpPr>
+            <a:spLocks noGrp="1"/>
+          </p:cNvSpPr>
+          <p:nvPr>
+            <p:ph type="body" sz="quarter" idx="3"/>
+          </p:nvPr>
+        </p:nvSpPr>
+        <p:spPr>
+          <a:xfrm>
+            <a:off x="685800" y="4400550"/>
+            <a:ext cx="5486400" cy="3600450"/>
+          </a:xfrm>
+          <a:prstGeom prst="rect">
+            <a:avLst/>
+          </a:prstGeom>
+        </p:spPr>
+        <p:txBody>
+          <a:bodyPr vert="horz" lIns="91440" tIns="45720" rIns="91440" bIns="45720" rtlCol="0"/>
+          <a:lstStyle/>
+          <a:p>
+            <a:pPr lvl="0"/>
+            <a:r>
+              <a:rPr lang="en-US"/>
+              <a:t>Click to edit Master text styles</a:t>
+            </a:r>
+          </a:p>
+          <a:p>
+            <a:pPr lvl="1"/>
+            <a:r>
+              <a:rPr lang="en-US"/>
+              <a:t>Second level</a:t>
+            </a:r>
+          </a:p>
+          <a:p>
+            <a:pPr lvl="2"/>
+            <a:r>
+              <a:rPr lang="en-US"/>
+              <a:t>Third level</a:t>
+            </a:r>
+          </a:p>
+          <a:p>
+            <a:pPr lvl="3"/>
+            <a:r>
+              <a:rPr lang="en-US"/>
+              <a:t>Fourth level</a:t>
+            </a:r>
+          </a:p>
+          <a:p>
+            <a:pPr lvl="4"/>
+            <a:r>
+              <a:rPr lang="en-US"/>
+              <a:t>Fifth level</a:t>
+            </a:r>
+            <a:endParaRPr lang="en-IL"/>
+          </a:p>
+        </p:txBody>
+      </p:sp>
+      <p:sp>
+        <p:nvSpPr>
+          <p:cNvPr id="6" name="Footer Placeholder 5"/>
+          <p:cNvSpPr>
+            <a:spLocks noGrp="1"/>
+          </p:cNvSpPr>
+          <p:nvPr>
+            <p:ph type="ftr" sz="quarter" idx="4"/>
+          </p:nvPr>
+        </p:nvSpPr>
+        <p:spPr>
+          <a:xfrm>
+            <a:off x="0" y="8685213"/>
+            <a:ext cx="2971800" cy="458787"/>
+          </a:xfrm>
+          <a:prstGeom prst="rect">
+            <a:avLst/>
+          </a:prstGeom>
+        </p:spPr>
+        <p:txBody>
+          <a:bodyPr vert="horz" lIns="91440" tIns="45720" rIns="91440" bIns="45720" rtlCol="0" anchor="b"/>
+          <a:lstStyle>
+            <a:lvl1pPr algn="l">
+              <a:defRPr sz="1200"/>
+            </a:lvl1pPr>
+          </a:lstStyle>
+          <a:p>
+            <a:endParaRPr lang="en-IL"/>
+          </a:p>
+        </p:txBody>
+      </p:sp>
+      <p:sp>
+        <p:nvSpPr>
+          <p:cNvPr id="7" name="Slide Number Placeholder 6"/>
+          <p:cNvSpPr>
+            <a:spLocks noGrp="1"/>
+          </p:cNvSpPr>
+          <p:nvPr>
+            <p:ph type="sldNum" sz="quarter" idx="5"/>
+          </p:nvPr>
+        </p:nvSpPr>
+        <p:spPr>
+          <a:xfrm>
+            <a:off x="3884613" y="8685213"/>
+            <a:ext cx="2971800" cy="458787"/>
+          </a:xfrm>
+          <a:prstGeom prst="rect">
+            <a:avLst/>
+          </a:prstGeom>
+        </p:spPr>
+        <p:txBody>
+          <a:bodyPr vert="horz" lIns="91440" tIns="45720" rIns="91440" bIns="45720" rtlCol="0" anchor="b"/>
+          <a:lstStyle>
+            <a:lvl1pPr algn="r">
+              <a:defRPr sz="1200"/>
+            </a:lvl1pPr>
+          </a:lstStyle>
+          <a:p>
+            <a:fld id="{981A68A7-045B-3647-938D-360BA513D199}" type="slidenum">
+              <a:rPr lang="en-IL" smtClean="0"/>
+              <a:t>‹#›</a:t>
+            </a:fld>
+            <a:endParaRPr lang="en-IL"/>
+          </a:p>
+        </p:txBody>
+      </p:sp>
+    </p:spTree>
+    <p:extLst>
+      <p:ext uri="{BB962C8B-B14F-4D97-AF65-F5344CB8AC3E}">
+        <p14:creationId xmlns:p14="http://schemas.microsoft.com/office/powerpoint/2010/main" val="3622959146"/>
+      </p:ext>
+    </p:extLst>
+  </p:cSld>
+  <p:clrMap bg1="lt1" tx1="dk1" bg2="lt2" tx2="dk2" accent1="accent1" accent2="accent2" accent3="accent3" accent4="accent4" accent5="accent5" accent6="accent6" hlink="hlink" folHlink="folHlink"/>
+  <p:notesStyle>
+    <a:lvl1pPr marL="0" algn="l" defTabSz="914400" rtl="0" eaLnBrk="1" latinLnBrk="0" hangingPunct="1">
+      <a:defRPr sz="1200" kern="1200">
+        <a:solidFill>
+          <a:schemeClr val="tx1"/>
+        </a:solidFill>
+        <a:latin typeface="+mn-lt"/>
+        <a:ea typeface="+mn-ea"/>
+        <a:cs typeface="+mn-cs"/>
+      </a:defRPr>
+    </a:lvl1pPr>
+    <a:lvl2pPr marL="457200" algn="l" defTabSz="914400" rtl="0" eaLnBrk="1" latinLnBrk="0" hangingPunct="1">
+      <a:defRPr sz="1200" kern="1200">
+        <a:solidFill>
+          <a:schemeClr val="tx1"/>
+        </a:solidFill>
+        <a:latin typeface="+mn-lt"/>
+        <a:ea typeface="+mn-ea"/>
+        <a:cs typeface="+mn-cs"/>
+      </a:defRPr>
+    </a:lvl2pPr>
+    <a:lvl3pPr marL="914400" algn="l" defTabSz="914400" rtl="0" eaLnBrk="1" latinLnBrk="0" hangingPunct="1">
+      <a:defRPr sz="1200" kern="1200">
+        <a:solidFill>
+          <a:schemeClr val="tx1"/>
+        </a:solidFill>
+        <a:latin typeface="+mn-lt"/>
+        <a:ea typeface="+mn-ea"/>
+        <a:cs typeface="+mn-cs"/>
+      </a:defRPr>
+    </a:lvl3pPr>
+    <a:lvl4pPr marL="1371600" algn="l" defTabSz="914400" rtl="0" eaLnBrk="1" latinLnBrk="0" hangingPunct="1">
+      <a:defRPr sz="1200" kern="1200">
+        <a:solidFill>
+          <a:schemeClr val="tx1"/>
+        </a:solidFill>
+        <a:latin typeface="+mn-lt"/>
+        <a:ea typeface="+mn-ea"/>
+        <a:cs typeface="+mn-cs"/>
+      </a:defRPr>
+    </a:lvl4pPr>
+    <a:lvl5pPr marL="1828800" algn="l" defTabSz="914400" rtl="0" eaLnBrk="1" latinLnBrk="0" hangingPunct="1">
+      <a:defRPr sz="1200" kern="1200">
+        <a:solidFill>
+          <a:schemeClr val="tx1"/>
+        </a:solidFill>
+        <a:latin typeface="+mn-lt"/>
+        <a:ea typeface="+mn-ea"/>
+        <a:cs typeface="+mn-cs"/>
+      </a:defRPr>
+    </a:lvl5pPr>
+    <a:lvl6pPr marL="2286000" algn="l" defTabSz="914400" rtl="0" eaLnBrk="1" latinLnBrk="0" hangingPunct="1">
+      <a:defRPr sz="1200" kern="1200">
+        <a:solidFill>
+          <a:schemeClr val="tx1"/>
+        </a:solidFill>
+        <a:latin typeface="+mn-lt"/>
+        <a:ea typeface="+mn-ea"/>
+        <a:cs typeface="+mn-cs"/>
+      </a:defRPr>
+    </a:lvl6pPr>
+    <a:lvl7pPr marL="2743200" algn="l" defTabSz="914400" rtl="0" eaLnBrk="1" latinLnBrk="0" hangingPunct="1">
+      <a:defRPr sz="1200" kern="1200">
+        <a:solidFill>
+          <a:schemeClr val="tx1"/>
+        </a:solidFill>
+        <a:latin typeface="+mn-lt"/>
+        <a:ea typeface="+mn-ea"/>
+        <a:cs typeface="+mn-cs"/>
+      </a:defRPr>
+    </a:lvl7pPr>
+    <a:lvl8pPr marL="3200400" algn="l" defTabSz="914400" rtl="0" eaLnBrk="1" latinLnBrk="0" hangingPunct="1">
+      <a:defRPr sz="1200" kern="1200">
+        <a:solidFill>
+          <a:schemeClr val="tx1"/>
+        </a:solidFill>
+        <a:latin typeface="+mn-lt"/>
+        <a:ea typeface="+mn-ea"/>
+        <a:cs typeface="+mn-cs"/>
+      </a:defRPr>
+    </a:lvl8pPr>
+    <a:lvl9pPr marL="3657600" algn="l" defTabSz="914400" rtl="0" eaLnBrk="1" latinLnBrk="0" hangingPunct="1">
+      <a:defRPr sz="1200" kern="1200">
+        <a:solidFill>
+          <a:schemeClr val="tx1"/>
+        </a:solidFill>
+        <a:latin typeface="+mn-lt"/>
+        <a:ea typeface="+mn-ea"/>
+        <a:cs typeface="+mn-cs"/>
+      </a:defRPr>
+    </a:lvl9pPr>
+  </p:notesStyle>
+</p:notesMaster>
+</file>
+
+<file path=ppt/notesSlides/notesSlide1.xml><?xml version="1.0" encoding="utf-8"?>
+<p:notes xmlns:a="http://schemas.openxmlformats.org/drawingml/2006/main" xmlns:r="http://schemas.openxmlformats.org/officeDocument/2006/relationships" xmlns:p="http://schemas.openxmlformats.org/presentationml/2006/main">
+  <p:cSld>
+    <p:spTree>
+      <p:nvGrpSpPr>
+        <p:cNvPr id="1" name=""/>
+        <p:cNvGrpSpPr/>
+        <p:nvPr/>
+      </p:nvGrpSpPr>
+      <p:grpSpPr>
+        <a:xfrm>
+          <a:off x="0" y="0"/>
+          <a:ext cx="0" cy="0"/>
+          <a:chOff x="0" y="0"/>
+          <a:chExt cx="0" cy="0"/>
+        </a:xfrm>
+      </p:grpSpPr>
+      <p:sp>
+        <p:nvSpPr>
+          <p:cNvPr id="2" name="Slide Image Placeholder 1"/>
+          <p:cNvSpPr>
+            <a:spLocks noGrp="1" noRot="1" noChangeAspect="1"/>
+          </p:cNvSpPr>
+          <p:nvPr>
+            <p:ph type="sldImg"/>
+          </p:nvPr>
+        </p:nvSpPr>
+        <p:spPr/>
+      </p:sp>
+      <p:sp>
+        <p:nvSpPr>
+          <p:cNvPr id="3" name="Notes Placeholder 2"/>
+          <p:cNvSpPr>
+            <a:spLocks noGrp="1"/>
+          </p:cNvSpPr>
+          <p:nvPr>
+            <p:ph type="body" idx="1"/>
+          </p:nvPr>
+        </p:nvSpPr>
+        <p:spPr/>
+        <p:txBody>
+          <a:bodyPr/>
+          <a:lstStyle/>
+          <a:p>
+            <a:pPr marL="0" algn="l" defTabSz="914400" rtl="0" eaLnBrk="1" latinLnBrk="0" hangingPunct="1"/>
+            <a:endParaRPr lang="en-IL" dirty="0"/>
+          </a:p>
+        </p:txBody>
+      </p:sp>
+      <p:sp>
+        <p:nvSpPr>
+          <p:cNvPr id="4" name="Slide Number Placeholder 3"/>
+          <p:cNvSpPr>
+            <a:spLocks noGrp="1"/>
+          </p:cNvSpPr>
+          <p:nvPr>
+            <p:ph type="sldNum" sz="quarter" idx="5"/>
+          </p:nvPr>
+        </p:nvSpPr>
+        <p:spPr/>
+        <p:txBody>
+          <a:bodyPr/>
+          <a:lstStyle/>
+          <a:p>
+            <a:fld id="{981A68A7-045B-3647-938D-360BA513D199}" type="slidenum">
+              <a:rPr lang="en-IL" smtClean="0"/>
+              <a:t>1</a:t>
+            </a:fld>
+            <a:endParaRPr lang="en-IL"/>
+          </a:p>
+        </p:txBody>
+      </p:sp>
+    </p:spTree>
+    <p:extLst>
+      <p:ext uri="{BB962C8B-B14F-4D97-AF65-F5344CB8AC3E}">
+        <p14:creationId xmlns:p14="http://schemas.microsoft.com/office/powerpoint/2010/main" val="2179457944"/>
+      </p:ext>
+    </p:extLst>
+  </p:cSld>
+  <p:clrMapOvr>
+    <a:masterClrMapping/>
+  </p:clrMapOvr>
+</p:notes>
+</file>
+
+<file path=ppt/notesSlides/notesSlide2.xml><?xml version="1.0" encoding="utf-8"?>
+<p:notes xmlns:a="http://schemas.openxmlformats.org/drawingml/2006/main" xmlns:r="http://schemas.openxmlformats.org/officeDocument/2006/relationships" xmlns:p="http://schemas.openxmlformats.org/presentationml/2006/main">
+  <p:cSld>
+    <p:spTree>
+      <p:nvGrpSpPr>
+        <p:cNvPr id="1" name=""/>
+        <p:cNvGrpSpPr/>
+        <p:nvPr/>
+      </p:nvGrpSpPr>
+      <p:grpSpPr>
+        <a:xfrm>
+          <a:off x="0" y="0"/>
+          <a:ext cx="0" cy="0"/>
+          <a:chOff x="0" y="0"/>
+          <a:chExt cx="0" cy="0"/>
+        </a:xfrm>
+      </p:grpSpPr>
+      <p:sp>
+        <p:nvSpPr>
+          <p:cNvPr id="2" name="Slide Image Placeholder 1"/>
+          <p:cNvSpPr>
+            <a:spLocks noGrp="1" noRot="1" noChangeAspect="1"/>
+          </p:cNvSpPr>
+          <p:nvPr>
+            <p:ph type="sldImg"/>
+          </p:nvPr>
+        </p:nvSpPr>
+        <p:spPr/>
+      </p:sp>
+      <p:sp>
+        <p:nvSpPr>
+          <p:cNvPr id="3" name="Notes Placeholder 2"/>
+          <p:cNvSpPr>
+            <a:spLocks noGrp="1"/>
+          </p:cNvSpPr>
+          <p:nvPr>
+            <p:ph type="body" idx="1"/>
+          </p:nvPr>
+        </p:nvSpPr>
+        <p:spPr/>
+        <p:txBody>
+          <a:bodyPr/>
+          <a:lstStyle/>
+          <a:p>
+            <a:pPr marL="0" algn="r" defTabSz="914400" rtl="1" eaLnBrk="1" latinLnBrk="0" hangingPunct="1"/>
+            <a:r>
+              <a:rPr lang="he-IL" dirty="0"/>
+              <a:t>חגי</a:t>
+            </a:r>
+            <a:endParaRPr lang="en-IL" dirty="0"/>
+          </a:p>
+        </p:txBody>
+      </p:sp>
+      <p:sp>
+        <p:nvSpPr>
+          <p:cNvPr id="4" name="Slide Number Placeholder 3"/>
+          <p:cNvSpPr>
+            <a:spLocks noGrp="1"/>
+          </p:cNvSpPr>
+          <p:nvPr>
+            <p:ph type="sldNum" sz="quarter" idx="5"/>
+          </p:nvPr>
+        </p:nvSpPr>
+        <p:spPr/>
+        <p:txBody>
+          <a:bodyPr/>
+          <a:lstStyle/>
+          <a:p>
+            <a:fld id="{981A68A7-045B-3647-938D-360BA513D199}" type="slidenum">
+              <a:rPr lang="en-IL" smtClean="0"/>
+              <a:t>2</a:t>
+            </a:fld>
+            <a:endParaRPr lang="en-IL"/>
+          </a:p>
+        </p:txBody>
+      </p:sp>
+    </p:spTree>
+    <p:extLst>
+      <p:ext uri="{BB962C8B-B14F-4D97-AF65-F5344CB8AC3E}">
+        <p14:creationId xmlns:p14="http://schemas.microsoft.com/office/powerpoint/2010/main" val="1420548110"/>
+      </p:ext>
+    </p:extLst>
+  </p:cSld>
+  <p:clrMapOvr>
+    <a:masterClrMapping/>
+  </p:clrMapOvr>
+</p:notes>
+</file>
+
+<file path=ppt/notesSlides/notesSlide3.xml><?xml version="1.0" encoding="utf-8"?>
+<p:notes xmlns:a="http://schemas.openxmlformats.org/drawingml/2006/main" xmlns:r="http://schemas.openxmlformats.org/officeDocument/2006/relationships" xmlns:p="http://schemas.openxmlformats.org/presentationml/2006/main">
+  <p:cSld>
+    <p:spTree>
+      <p:nvGrpSpPr>
+        <p:cNvPr id="1" name="">
+          <a:extLst>
+            <a:ext uri="{FF2B5EF4-FFF2-40B4-BE49-F238E27FC236}">
+              <a16:creationId xmlns:a16="http://schemas.microsoft.com/office/drawing/2014/main" id="{F88BE531-73EF-995E-B6B8-887A1F7BFD42}"/>
+            </a:ext>
+          </a:extLst>
+        </p:cNvPr>
+        <p:cNvGrpSpPr/>
+        <p:nvPr/>
+      </p:nvGrpSpPr>
+      <p:grpSpPr>
+        <a:xfrm>
+          <a:off x="0" y="0"/>
+          <a:ext cx="0" cy="0"/>
+          <a:chOff x="0" y="0"/>
+          <a:chExt cx="0" cy="0"/>
+        </a:xfrm>
+      </p:grpSpPr>
+      <p:sp>
+        <p:nvSpPr>
+          <p:cNvPr id="2" name="Slide Image Placeholder 1">
+            <a:extLst>
+              <a:ext uri="{FF2B5EF4-FFF2-40B4-BE49-F238E27FC236}">
+                <a16:creationId xmlns:a16="http://schemas.microsoft.com/office/drawing/2014/main" id="{CA5C1F44-BB2D-79F8-1E7D-E1CB837F5A8E}"/>
+              </a:ext>
+            </a:extLst>
+          </p:cNvPr>
+          <p:cNvSpPr>
+            <a:spLocks noGrp="1" noRot="1" noChangeAspect="1"/>
+          </p:cNvSpPr>
+          <p:nvPr>
+            <p:ph type="sldImg"/>
+          </p:nvPr>
+        </p:nvSpPr>
+        <p:spPr/>
+      </p:sp>
+      <p:sp>
+        <p:nvSpPr>
+          <p:cNvPr id="3" name="Notes Placeholder 2">
+            <a:extLst>
+              <a:ext uri="{FF2B5EF4-FFF2-40B4-BE49-F238E27FC236}">
+                <a16:creationId xmlns:a16="http://schemas.microsoft.com/office/drawing/2014/main" id="{D2D757D9-7B42-F823-514F-5DBBA66FCA20}"/>
+              </a:ext>
+            </a:extLst>
+          </p:cNvPr>
+          <p:cNvSpPr>
+            <a:spLocks noGrp="1"/>
+          </p:cNvSpPr>
+          <p:nvPr>
+            <p:ph type="body" idx="1"/>
+          </p:nvPr>
+        </p:nvSpPr>
+        <p:spPr/>
+        <p:txBody>
+          <a:bodyPr/>
+          <a:lstStyle/>
+          <a:p>
+            <a:pPr marL="0" algn="r" defTabSz="914400" rtl="0" eaLnBrk="1" latinLnBrk="0" hangingPunct="1"/>
+            <a:r>
+              <a:rPr lang="he-IL" dirty="0"/>
+              <a:t>עידן</a:t>
+            </a:r>
+            <a:br>
+              <a:rPr lang="en-US" dirty="0"/>
+            </a:br>
+            <a:br>
+              <a:rPr lang="en-US" dirty="0"/>
+            </a:br>
+            <a:r>
+              <a:rPr lang="he-IL" dirty="0"/>
+              <a:t>* ההסתברות של הנזק שיכול להיגרם מכשל של הטכנולוגיה</a:t>
+            </a:r>
+            <a:br>
+              <a:rPr lang="en-US" dirty="0"/>
+            </a:br>
+            <a:r>
+              <a:rPr lang="he-IL" dirty="0"/>
+              <a:t>* להסביר על 2,3 פקטורים </a:t>
+            </a:r>
+          </a:p>
+          <a:p>
+            <a:pPr marL="0" algn="r" defTabSz="914400" rtl="0" eaLnBrk="1" latinLnBrk="0" hangingPunct="1"/>
+            <a:endParaRPr lang="he-IL" dirty="0"/>
+          </a:p>
+          <a:p>
+            <a:pPr algn="r"/>
+            <a:r>
+              <a:rPr lang="he-IL" dirty="0"/>
+              <a:t>* </a:t>
+            </a:r>
+            <a:r>
+              <a:rPr lang="en-US" dirty="0"/>
+              <a:t>Severity levels</a:t>
+            </a:r>
+            <a:br>
+              <a:rPr lang="en-US" dirty="0"/>
+            </a:br>
+            <a:r>
+              <a:rPr lang="he-IL" dirty="0"/>
+              <a:t>מדד מנסה </a:t>
+            </a:r>
+            <a:r>
+              <a:rPr lang="he-IL" dirty="0" err="1"/>
+              <a:t>לאמוד</a:t>
+            </a:r>
+            <a:r>
+              <a:rPr lang="he-IL" dirty="0"/>
+              <a:t> את הנזק שעלול להיגרם לארגון בשל כשל של האינטגרציה של הטכנולוגיה / הטכנולוגיה  , מחולק ל5 רמות מרמה אפסית עד </a:t>
+            </a:r>
+            <a:r>
+              <a:rPr lang="he-IL" dirty="0" err="1"/>
+              <a:t>קטסטרופית</a:t>
+            </a:r>
+            <a:r>
+              <a:rPr lang="he-IL" dirty="0"/>
+              <a:t> , עבור כל רמה מצביעים מה ההסתברות שיגרם נזק מרמה כזה. </a:t>
+            </a:r>
+            <a:br>
+              <a:rPr lang="en-US" dirty="0"/>
+            </a:br>
+            <a:br>
+              <a:rPr lang="en-US" dirty="0"/>
+            </a:br>
+            <a:br>
+              <a:rPr lang="en-US" dirty="0"/>
+            </a:br>
+            <a:r>
+              <a:rPr lang="he-IL" dirty="0"/>
+              <a:t>1.</a:t>
+            </a:r>
+            <a:br>
+              <a:rPr lang="en-US" dirty="0"/>
+            </a:br>
+            <a:r>
+              <a:rPr lang="he-IL" dirty="0"/>
+              <a:t> </a:t>
+            </a:r>
+            <a:r>
+              <a:rPr lang="en-US" u="sng" dirty="0">
+                <a:effectLst/>
+                <a:latin typeface="Helvetica" pitchFamily="2" charset="0"/>
+              </a:rPr>
+              <a:t>Innovation Availability</a:t>
+            </a:r>
+            <a:r>
+              <a:rPr lang="en-US" dirty="0">
+                <a:effectLst/>
+                <a:latin typeface="Helvetica" pitchFamily="2" charset="0"/>
+              </a:rPr>
+              <a:t>: The readiness of the innovation for integration into healthcare settings.</a:t>
+            </a:r>
+            <a:br>
+              <a:rPr lang="en-US" dirty="0">
+                <a:effectLst/>
+                <a:latin typeface="Helvetica" pitchFamily="2" charset="0"/>
+              </a:rPr>
+            </a:br>
+            <a:br>
+              <a:rPr lang="en-US" dirty="0">
+                <a:effectLst/>
+                <a:latin typeface="Helvetica" pitchFamily="2" charset="0"/>
+              </a:rPr>
+            </a:br>
+            <a:r>
+              <a:rPr lang="he-IL" dirty="0">
+                <a:effectLst/>
+                <a:latin typeface="Helvetica" pitchFamily="2" charset="0"/>
+              </a:rPr>
+              <a:t>2. </a:t>
+            </a:r>
+            <a:endParaRPr lang="en-US" dirty="0">
+              <a:effectLst/>
+              <a:latin typeface="Helvetica" pitchFamily="2" charset="0"/>
+            </a:endParaRPr>
+          </a:p>
+          <a:p>
+            <a:pPr algn="r"/>
+            <a:r>
+              <a:rPr lang="en-US" u="sng" dirty="0">
+                <a:effectLst/>
+                <a:latin typeface="Helvetica" pitchFamily="2" charset="0"/>
+              </a:rPr>
+              <a:t>Organizational Attention</a:t>
+            </a:r>
+            <a:r>
+              <a:rPr lang="en-US" dirty="0">
+                <a:effectLst/>
+                <a:latin typeface="Helvetica" pitchFamily="2" charset="0"/>
+              </a:rPr>
+              <a:t>: The level of organizational focus on the matter the innovation is meant to</a:t>
+            </a:r>
+          </a:p>
+          <a:p>
+            <a:pPr algn="r"/>
+            <a:r>
+              <a:rPr lang="en-US" dirty="0">
+                <a:effectLst/>
+                <a:latin typeface="Helvetica" pitchFamily="2" charset="0"/>
+              </a:rPr>
+              <a:t>improve.</a:t>
+            </a:r>
+          </a:p>
+          <a:p>
+            <a:pPr marL="0" marR="0" lvl="0" indent="0" algn="r" defTabSz="914400" rtl="0" eaLnBrk="1" fontAlgn="auto" latinLnBrk="0" hangingPunct="1">
+              <a:lnSpc>
+                <a:spcPct val="100000"/>
+              </a:lnSpc>
+              <a:spcBef>
+                <a:spcPts val="0"/>
+              </a:spcBef>
+              <a:spcAft>
+                <a:spcPts val="0"/>
+              </a:spcAft>
+              <a:buClrTx/>
+              <a:buSzTx/>
+              <a:buFontTx/>
+              <a:buNone/>
+              <a:tabLst/>
+              <a:defRPr/>
+            </a:pPr>
+            <a:br>
+              <a:rPr lang="en-IL" dirty="0"/>
+            </a:br>
+            <a:r>
+              <a:rPr lang="he-IL" dirty="0"/>
+              <a:t>3.</a:t>
+            </a:r>
+            <a:br>
+              <a:rPr lang="en-IL" dirty="0"/>
+            </a:br>
+            <a:r>
+              <a:rPr lang="en-US" u="sng" dirty="0">
+                <a:effectLst/>
+                <a:latin typeface="Helvetica" pitchFamily="2" charset="0"/>
+              </a:rPr>
+              <a:t>Training Requirements: </a:t>
+            </a:r>
+            <a:r>
+              <a:rPr lang="en-US" dirty="0">
+                <a:effectLst/>
+                <a:latin typeface="Helvetica" pitchFamily="2" charset="0"/>
+              </a:rPr>
+              <a:t>The amount of training required for staff to effectively use the innovation.</a:t>
+            </a:r>
+          </a:p>
+          <a:p>
+            <a:pPr marL="0" algn="r" defTabSz="914400" rtl="0" eaLnBrk="1" latinLnBrk="0" hangingPunct="1"/>
+            <a:endParaRPr lang="en-IL" dirty="0"/>
+          </a:p>
+        </p:txBody>
+      </p:sp>
+      <p:sp>
+        <p:nvSpPr>
+          <p:cNvPr id="4" name="Slide Number Placeholder 3">
+            <a:extLst>
+              <a:ext uri="{FF2B5EF4-FFF2-40B4-BE49-F238E27FC236}">
+                <a16:creationId xmlns:a16="http://schemas.microsoft.com/office/drawing/2014/main" id="{203D3D06-BEBE-7753-4177-72566439DE03}"/>
+              </a:ext>
+            </a:extLst>
+          </p:cNvPr>
+          <p:cNvSpPr>
+            <a:spLocks noGrp="1"/>
+          </p:cNvSpPr>
+          <p:nvPr>
+            <p:ph type="sldNum" sz="quarter" idx="5"/>
+          </p:nvPr>
+        </p:nvSpPr>
+        <p:spPr/>
+        <p:txBody>
+          <a:bodyPr/>
+          <a:lstStyle/>
+          <a:p>
+            <a:fld id="{981A68A7-045B-3647-938D-360BA513D199}" type="slidenum">
+              <a:rPr lang="en-IL" smtClean="0"/>
+              <a:t>3</a:t>
+            </a:fld>
+            <a:endParaRPr lang="en-IL"/>
+          </a:p>
+        </p:txBody>
+      </p:sp>
+    </p:spTree>
+    <p:extLst>
+      <p:ext uri="{BB962C8B-B14F-4D97-AF65-F5344CB8AC3E}">
+        <p14:creationId xmlns:p14="http://schemas.microsoft.com/office/powerpoint/2010/main" val="2355962232"/>
+      </p:ext>
+    </p:extLst>
+  </p:cSld>
+  <p:clrMapOvr>
+    <a:masterClrMapping/>
+  </p:clrMapOvr>
+</p:notes>
+</file>
+
+<file path=ppt/notesSlides/notesSlide4.xml><?xml version="1.0" encoding="utf-8"?>
+<p:notes xmlns:a="http://schemas.openxmlformats.org/drawingml/2006/main" xmlns:r="http://schemas.openxmlformats.org/officeDocument/2006/relationships" xmlns:p="http://schemas.openxmlformats.org/presentationml/2006/main">
+  <p:cSld>
+    <p:spTree>
+      <p:nvGrpSpPr>
+        <p:cNvPr id="1" name=""/>
+        <p:cNvGrpSpPr/>
+        <p:nvPr/>
+      </p:nvGrpSpPr>
+      <p:grpSpPr>
+        <a:xfrm>
+          <a:off x="0" y="0"/>
+          <a:ext cx="0" cy="0"/>
+          <a:chOff x="0" y="0"/>
+          <a:chExt cx="0" cy="0"/>
+        </a:xfrm>
+      </p:grpSpPr>
+      <p:sp>
+        <p:nvSpPr>
+          <p:cNvPr id="2" name="Slide Image Placeholder 1"/>
+          <p:cNvSpPr>
+            <a:spLocks noGrp="1" noRot="1" noChangeAspect="1"/>
+          </p:cNvSpPr>
+          <p:nvPr>
+            <p:ph type="sldImg"/>
+          </p:nvPr>
+        </p:nvSpPr>
+        <p:spPr/>
+      </p:sp>
+      <p:sp>
+        <p:nvSpPr>
+          <p:cNvPr id="3" name="Notes Placeholder 2"/>
+          <p:cNvSpPr>
+            <a:spLocks noGrp="1"/>
+          </p:cNvSpPr>
+          <p:nvPr>
+            <p:ph type="body" idx="1"/>
+          </p:nvPr>
+        </p:nvSpPr>
+        <p:spPr/>
+        <p:txBody>
+          <a:bodyPr/>
+          <a:lstStyle/>
+          <a:p>
+            <a:pPr marL="0" algn="r" defTabSz="914400" rtl="1" eaLnBrk="1" latinLnBrk="0" hangingPunct="1"/>
+            <a:r>
+              <a:rPr lang="he-IL" dirty="0"/>
+              <a:t>בנוסף להסביר על דף ניהול סקרים – הוספת סקר הוספת משתמשים....</a:t>
+            </a:r>
+            <a:endParaRPr lang="en-IL" dirty="0"/>
+          </a:p>
+        </p:txBody>
+      </p:sp>
+      <p:sp>
+        <p:nvSpPr>
+          <p:cNvPr id="4" name="Slide Number Placeholder 3"/>
+          <p:cNvSpPr>
+            <a:spLocks noGrp="1"/>
+          </p:cNvSpPr>
+          <p:nvPr>
+            <p:ph type="sldNum" sz="quarter" idx="5"/>
+          </p:nvPr>
+        </p:nvSpPr>
+        <p:spPr/>
+        <p:txBody>
+          <a:bodyPr/>
+          <a:lstStyle/>
+          <a:p>
+            <a:fld id="{981A68A7-045B-3647-938D-360BA513D199}" type="slidenum">
+              <a:rPr lang="en-IL" smtClean="0"/>
+              <a:t>4</a:t>
+            </a:fld>
+            <a:endParaRPr lang="en-IL"/>
+          </a:p>
+        </p:txBody>
+      </p:sp>
+    </p:spTree>
+    <p:extLst>
+      <p:ext uri="{BB962C8B-B14F-4D97-AF65-F5344CB8AC3E}">
+        <p14:creationId xmlns:p14="http://schemas.microsoft.com/office/powerpoint/2010/main" val="2219047369"/>
+      </p:ext>
+    </p:extLst>
+  </p:cSld>
+  <p:clrMapOvr>
+    <a:masterClrMapping/>
+  </p:clrMapOvr>
+</p:notes>
+</file>
+
+<file path=ppt/notesSlides/notesSlide5.xml><?xml version="1.0" encoding="utf-8"?>
+<p:notes xmlns:a="http://schemas.openxmlformats.org/drawingml/2006/main" xmlns:r="http://schemas.openxmlformats.org/officeDocument/2006/relationships" xmlns:p="http://schemas.openxmlformats.org/presentationml/2006/main">
+  <p:cSld>
+    <p:spTree>
+      <p:nvGrpSpPr>
+        <p:cNvPr id="1" name=""/>
+        <p:cNvGrpSpPr/>
+        <p:nvPr/>
+      </p:nvGrpSpPr>
+      <p:grpSpPr>
+        <a:xfrm>
+          <a:off x="0" y="0"/>
+          <a:ext cx="0" cy="0"/>
+          <a:chOff x="0" y="0"/>
+          <a:chExt cx="0" cy="0"/>
+        </a:xfrm>
+      </p:grpSpPr>
+      <p:sp>
+        <p:nvSpPr>
+          <p:cNvPr id="2" name="Slide Image Placeholder 1"/>
+          <p:cNvSpPr>
+            <a:spLocks noGrp="1" noRot="1" noChangeAspect="1"/>
+          </p:cNvSpPr>
+          <p:nvPr>
+            <p:ph type="sldImg"/>
+          </p:nvPr>
+        </p:nvSpPr>
+        <p:spPr/>
+      </p:sp>
+      <p:sp>
+        <p:nvSpPr>
+          <p:cNvPr id="3" name="Notes Placeholder 2"/>
+          <p:cNvSpPr>
+            <a:spLocks noGrp="1"/>
+          </p:cNvSpPr>
+          <p:nvPr>
+            <p:ph type="body" idx="1"/>
+          </p:nvPr>
+        </p:nvSpPr>
+        <p:spPr/>
+        <p:txBody>
+          <a:bodyPr/>
+          <a:lstStyle/>
+          <a:p>
+            <a:pPr algn="r"/>
+            <a:r>
+              <a:rPr lang="he-IL" dirty="0"/>
+              <a:t>1: עובדים מול ארגוני בריאות שבהם כל שינוי כרוך במשאבים רבים (כסף וזמן) ולכן נרצה שהמערכת תציג כל הזמן מידע אמין ומדויק לאותו הרגע.</a:t>
+            </a:r>
+          </a:p>
+          <a:p>
+            <a:pPr algn="r"/>
+            <a:r>
+              <a:rPr lang="he-IL" dirty="0"/>
+              <a:t>ניהול סקרים </a:t>
+            </a:r>
+            <a:r>
+              <a:rPr lang="he-IL" dirty="0" err="1"/>
+              <a:t>בדכ</a:t>
+            </a:r>
+            <a:r>
+              <a:rPr lang="he-IL" dirty="0"/>
+              <a:t> מרובה משתמשים נדאג למקביליות תקינה. 		- קוד: 	</a:t>
+            </a:r>
+          </a:p>
+          <a:p>
+            <a:pPr algn="r"/>
+            <a:r>
+              <a:rPr lang="he-IL" dirty="0"/>
+              <a:t>כאשר </a:t>
+            </a:r>
+            <a:r>
+              <a:rPr lang="he-IL" dirty="0" err="1"/>
+              <a:t>תיהיה</a:t>
+            </a:r>
+            <a:r>
+              <a:rPr lang="he-IL" dirty="0"/>
+              <a:t> נפילה של רשת/ שרת נרצה שבחזרתו תוצג תמונה אמינה וחיווי של התקלה/ פעולה שנכשלה לפני הנפילה.	- רשת: 	</a:t>
+            </a:r>
+          </a:p>
+          <a:p>
+            <a:pPr algn="r"/>
+            <a:endParaRPr lang="he-IL" dirty="0"/>
+          </a:p>
+          <a:p>
+            <a:pPr algn="r"/>
+            <a:endParaRPr lang="en-IL" dirty="0"/>
+          </a:p>
+        </p:txBody>
+      </p:sp>
+      <p:sp>
+        <p:nvSpPr>
+          <p:cNvPr id="4" name="Slide Number Placeholder 3"/>
+          <p:cNvSpPr>
+            <a:spLocks noGrp="1"/>
+          </p:cNvSpPr>
+          <p:nvPr>
+            <p:ph type="sldNum" sz="quarter" idx="5"/>
+          </p:nvPr>
+        </p:nvSpPr>
+        <p:spPr/>
+        <p:txBody>
+          <a:bodyPr/>
+          <a:lstStyle/>
+          <a:p>
+            <a:fld id="{981A68A7-045B-3647-938D-360BA513D199}" type="slidenum">
+              <a:rPr lang="en-IL" smtClean="0"/>
+              <a:t>5</a:t>
+            </a:fld>
+            <a:endParaRPr lang="en-IL"/>
+          </a:p>
+        </p:txBody>
+      </p:sp>
+    </p:spTree>
+    <p:extLst>
+      <p:ext uri="{BB962C8B-B14F-4D97-AF65-F5344CB8AC3E}">
+        <p14:creationId xmlns:p14="http://schemas.microsoft.com/office/powerpoint/2010/main" val="4053526068"/>
+      </p:ext>
+    </p:extLst>
+  </p:cSld>
+  <p:clrMapOvr>
+    <a:masterClrMapping/>
+  </p:clrMapOvr>
+</p:notes>
+</file>
+
+<file path=ppt/notesSlides/notesSlide6.xml><?xml version="1.0" encoding="utf-8"?>
+<p:notes xmlns:a="http://schemas.openxmlformats.org/drawingml/2006/main" xmlns:r="http://schemas.openxmlformats.org/officeDocument/2006/relationships" xmlns:p="http://schemas.openxmlformats.org/presentationml/2006/main">
+  <p:cSld>
+    <p:spTree>
+      <p:nvGrpSpPr>
+        <p:cNvPr id="1" name=""/>
+        <p:cNvGrpSpPr/>
+        <p:nvPr/>
+      </p:nvGrpSpPr>
+      <p:grpSpPr>
+        <a:xfrm>
+          <a:off x="0" y="0"/>
+          <a:ext cx="0" cy="0"/>
+          <a:chOff x="0" y="0"/>
+          <a:chExt cx="0" cy="0"/>
+        </a:xfrm>
+      </p:grpSpPr>
+      <p:sp>
+        <p:nvSpPr>
+          <p:cNvPr id="2" name="Slide Image Placeholder 1"/>
+          <p:cNvSpPr>
+            <a:spLocks noGrp="1" noRot="1" noChangeAspect="1"/>
+          </p:cNvSpPr>
+          <p:nvPr>
+            <p:ph type="sldImg"/>
+          </p:nvPr>
+        </p:nvSpPr>
+        <p:spPr/>
+      </p:sp>
+      <p:sp>
+        <p:nvSpPr>
+          <p:cNvPr id="3" name="Notes Placeholder 2"/>
+          <p:cNvSpPr>
+            <a:spLocks noGrp="1"/>
+          </p:cNvSpPr>
+          <p:nvPr>
+            <p:ph type="body" idx="1"/>
+          </p:nvPr>
+        </p:nvSpPr>
+        <p:spPr/>
+        <p:txBody>
+          <a:bodyPr/>
+          <a:lstStyle/>
+          <a:p>
+            <a:pPr marL="0" algn="l" defTabSz="914400" rtl="0" eaLnBrk="1" latinLnBrk="0" hangingPunct="1"/>
+            <a:endParaRPr lang="en-IL" dirty="0"/>
+          </a:p>
+        </p:txBody>
+      </p:sp>
+      <p:sp>
+        <p:nvSpPr>
+          <p:cNvPr id="4" name="Slide Number Placeholder 3"/>
+          <p:cNvSpPr>
+            <a:spLocks noGrp="1"/>
+          </p:cNvSpPr>
+          <p:nvPr>
+            <p:ph type="sldNum" sz="quarter" idx="5"/>
+          </p:nvPr>
+        </p:nvSpPr>
+        <p:spPr/>
+        <p:txBody>
+          <a:bodyPr/>
+          <a:lstStyle/>
+          <a:p>
+            <a:fld id="{981A68A7-045B-3647-938D-360BA513D199}" type="slidenum">
+              <a:rPr lang="en-IL" smtClean="0"/>
+              <a:t>7</a:t>
+            </a:fld>
+            <a:endParaRPr lang="en-IL"/>
+          </a:p>
+        </p:txBody>
+      </p:sp>
+    </p:spTree>
+    <p:extLst>
+      <p:ext uri="{BB962C8B-B14F-4D97-AF65-F5344CB8AC3E}">
+        <p14:creationId xmlns:p14="http://schemas.microsoft.com/office/powerpoint/2010/main" val="570371260"/>
+      </p:ext>
+    </p:extLst>
+  </p:cSld>
+  <p:clrMapOvr>
+    <a:masterClrMapping/>
+  </p:clrMapOvr>
+</p:notes>
+</file>
+
 <file path=ppt/slideLayouts/slideLayout1.xml><?xml version="1.0" encoding="utf-8"?>
 <p:sldLayout xmlns:a="http://schemas.openxmlformats.org/drawingml/2006/main" xmlns:r="http://schemas.openxmlformats.org/officeDocument/2006/relationships" xmlns:p="http://schemas.openxmlformats.org/presentationml/2006/main" type="title" preserve="1">
   <p:cSld name="Title Slide">
@@ -6940,7 +8067,7 @@
           <a:p>
             <a:fld id="{E6171E64-FE02-4DE5-B72F-53C3706641C3}" type="datetimeFigureOut">
               <a:rPr lang="en-US" smtClean="0"/>
-              <a:t>12/12/24</a:t>
+              <a:t>12/16/24</a:t>
             </a:fld>
             <a:endParaRPr lang="en-US"/>
           </a:p>
@@ -7275,7 +8402,7 @@
           <a:p>
             <a:fld id="{E6171E64-FE02-4DE5-B72F-53C3706641C3}" type="datetimeFigureOut">
               <a:rPr lang="en-US" smtClean="0"/>
-              <a:t>12/12/24</a:t>
+              <a:t>12/16/24</a:t>
             </a:fld>
             <a:endParaRPr lang="en-US"/>
           </a:p>
@@ -7578,7 +8705,7 @@
           <a:p>
             <a:fld id="{E6171E64-FE02-4DE5-B72F-53C3706641C3}" type="datetimeFigureOut">
               <a:rPr lang="en-US" smtClean="0"/>
-              <a:t>12/12/24</a:t>
+              <a:t>12/16/24</a:t>
             </a:fld>
             <a:endParaRPr lang="en-US"/>
           </a:p>
@@ -7826,7 +8953,7 @@
           <a:p>
             <a:fld id="{E6171E64-FE02-4DE5-B72F-53C3706641C3}" type="datetimeFigureOut">
               <a:rPr lang="en-US" smtClean="0"/>
-              <a:t>12/12/24</a:t>
+              <a:t>12/16/24</a:t>
             </a:fld>
             <a:endParaRPr lang="en-US"/>
           </a:p>
@@ -8234,7 +9361,7 @@
           <a:p>
             <a:fld id="{E6171E64-FE02-4DE5-B72F-53C3706641C3}" type="datetimeFigureOut">
               <a:rPr lang="en-US" smtClean="0"/>
-              <a:t>12/12/24</a:t>
+              <a:t>12/16/24</a:t>
             </a:fld>
             <a:endParaRPr lang="en-US"/>
           </a:p>
@@ -8549,7 +9676,7 @@
           <a:p>
             <a:fld id="{E6171E64-FE02-4DE5-B72F-53C3706641C3}" type="datetimeFigureOut">
               <a:rPr lang="en-US" smtClean="0"/>
-              <a:t>12/12/24</a:t>
+              <a:t>12/16/24</a:t>
             </a:fld>
             <a:endParaRPr lang="en-US"/>
           </a:p>
@@ -9099,7 +10226,7 @@
           <a:p>
             <a:fld id="{E6171E64-FE02-4DE5-B72F-53C3706641C3}" type="datetimeFigureOut">
               <a:rPr lang="en-US" smtClean="0"/>
-              <a:t>12/12/24</a:t>
+              <a:t>12/16/24</a:t>
             </a:fld>
             <a:endParaRPr lang="en-US"/>
           </a:p>
@@ -9295,7 +10422,7 @@
           <a:p>
             <a:fld id="{E6171E64-FE02-4DE5-B72F-53C3706641C3}" type="datetimeFigureOut">
               <a:rPr lang="en-US" smtClean="0"/>
-              <a:t>12/12/24</a:t>
+              <a:t>12/16/24</a:t>
             </a:fld>
             <a:endParaRPr lang="en-US"/>
           </a:p>
@@ -9509,7 +10636,7 @@
           <a:p>
             <a:fld id="{E6171E64-FE02-4DE5-B72F-53C3706641C3}" type="datetimeFigureOut">
               <a:rPr lang="en-US" smtClean="0"/>
-              <a:t>12/12/24</a:t>
+              <a:t>12/16/24</a:t>
             </a:fld>
             <a:endParaRPr lang="en-US"/>
           </a:p>
@@ -9879,7 +11006,7 @@
           <a:p>
             <a:fld id="{E6171E64-FE02-4DE5-B72F-53C3706641C3}" type="datetimeFigureOut">
               <a:rPr lang="en-US" smtClean="0"/>
-              <a:t>12/12/24</a:t>
+              <a:t>12/16/24</a:t>
             </a:fld>
             <a:endParaRPr lang="en-US"/>
           </a:p>
@@ -10288,7 +11415,7 @@
           <a:p>
             <a:fld id="{E6171E64-FE02-4DE5-B72F-53C3706641C3}" type="datetimeFigureOut">
               <a:rPr lang="en-US" smtClean="0"/>
-              <a:t>12/12/24</a:t>
+              <a:t>12/16/24</a:t>
             </a:fld>
             <a:endParaRPr lang="en-US"/>
           </a:p>
@@ -10606,7 +11733,7 @@
           <a:p>
             <a:fld id="{E6171E64-FE02-4DE5-B72F-53C3706641C3}" type="datetimeFigureOut">
               <a:rPr lang="en-US" smtClean="0"/>
-              <a:t>12/12/24</a:t>
+              <a:t>12/16/24</a:t>
             </a:fld>
             <a:endParaRPr lang="en-US"/>
           </a:p>
@@ -11178,7 +12305,7 @@
           <p:nvPr/>
         </p:nvPicPr>
         <p:blipFill>
-          <a:blip r:embed="rId2"/>
+          <a:blip r:embed="rId3"/>
           <a:srcRect r="-1" b="301"/>
           <a:stretch/>
         </p:blipFill>
@@ -11319,7 +12446,7 @@
         <p:spPr>
           <a:xfrm>
             <a:off x="1173056" y="2843213"/>
-            <a:ext cx="3770419" cy="3327494"/>
+            <a:ext cx="3770419" cy="2057947"/>
           </a:xfrm>
           <a:prstGeom prst="rect">
             <a:avLst/>
@@ -11379,22 +12506,7 @@
                   </a:outerShdw>
                 </a:effectLst>
               </a:rPr>
-              <a:t>   Hagai </a:t>
-            </a:r>
-            <a:r>
-              <a:rPr lang="en-US" sz="2200" dirty="0" err="1">
-                <a:ln>
-                  <a:noFill/>
-                </a:ln>
-                <a:effectLst>
-                  <a:outerShdw blurRad="38100" dist="19050" dir="2700000" algn="tl">
-                    <a:schemeClr val="dk1">
-                      <a:alpha val="40000"/>
-                    </a:schemeClr>
-                  </a:outerShdw>
-                </a:effectLst>
-              </a:rPr>
-              <a:t>Kordonsky</a:t>
+              <a:t>   Hagai Kordonsky</a:t>
             </a:r>
             <a:endParaRPr lang="en-US" sz="2200" dirty="0"/>
           </a:p>
@@ -11450,37 +12562,7 @@
                   </a:outerShdw>
                 </a:effectLst>
               </a:rPr>
-              <a:t>   </a:t>
-            </a:r>
-            <a:r>
-              <a:rPr lang="en-US" sz="2200" dirty="0" err="1">
-                <a:ln>
-                  <a:noFill/>
-                </a:ln>
-                <a:effectLst>
-                  <a:outerShdw blurRad="38100" dist="19050" dir="2700000" algn="tl">
-                    <a:schemeClr val="dk1">
-                      <a:alpha val="40000"/>
-                    </a:schemeClr>
-                  </a:outerShdw>
-                </a:effectLst>
-              </a:rPr>
-              <a:t>Idan</a:t>
-            </a:r>
-            <a:r>
-              <a:rPr lang="en-US" sz="2200" dirty="0">
-                <a:ln>
-                  <a:noFill/>
-                </a:ln>
-                <a:effectLst>
-                  <a:outerShdw blurRad="38100" dist="19050" dir="2700000" algn="tl">
-                    <a:schemeClr val="dk1">
-                      <a:alpha val="40000"/>
-                    </a:schemeClr>
-                  </a:outerShdw>
-                </a:effectLst>
-              </a:rPr>
-              <a:t> Lobel</a:t>
+              <a:t>   Idan Lobel</a:t>
             </a:r>
             <a:endParaRPr lang="en-US" sz="2200" dirty="0"/>
           </a:p>
@@ -11508,52 +12590,7 @@
                   </a:outerShdw>
                 </a:effectLst>
               </a:rPr>
-              <a:t>   </a:t>
-            </a:r>
-            <a:r>
-              <a:rPr lang="en-US" sz="2200" dirty="0" err="1">
-                <a:ln>
-                  <a:noFill/>
-                </a:ln>
-                <a:effectLst>
-                  <a:outerShdw blurRad="38100" dist="19050" dir="2700000" algn="tl">
-                    <a:schemeClr val="dk1">
-                      <a:alpha val="40000"/>
-                    </a:schemeClr>
-                  </a:outerShdw>
-                </a:effectLst>
-              </a:rPr>
-              <a:t>Amihai</a:t>
-            </a:r>
-            <a:r>
-              <a:rPr lang="en-US" sz="2200" dirty="0">
-                <a:ln>
-                  <a:noFill/>
-                </a:ln>
-                <a:effectLst>
-                  <a:outerShdw blurRad="38100" dist="19050" dir="2700000" algn="tl">
-                    <a:schemeClr val="dk1">
-                      <a:alpha val="40000"/>
-                    </a:schemeClr>
-                  </a:outerShdw>
-                </a:effectLst>
-              </a:rPr>
-              <a:t> </a:t>
-            </a:r>
-            <a:r>
-              <a:rPr lang="en-US" sz="2200" dirty="0" err="1">
-                <a:ln>
-                  <a:noFill/>
-                </a:ln>
-                <a:effectLst>
-                  <a:outerShdw blurRad="38100" dist="19050" dir="2700000" algn="tl">
-                    <a:schemeClr val="dk1">
-                      <a:alpha val="40000"/>
-                    </a:schemeClr>
-                  </a:outerShdw>
-                </a:effectLst>
-              </a:rPr>
-              <a:t>Blekherov</a:t>
+              <a:t>   Amihai Blekherov</a:t>
             </a:r>
             <a:r>
               <a:rPr lang="en-US" sz="2200" dirty="0">
@@ -11575,13 +12612,13 @@
   <p:clrMapOvr>
     <a:masterClrMapping/>
   </p:clrMapOvr>
-  <mc:AlternateContent xmlns:mc="http://schemas.openxmlformats.org/markup-compatibility/2006">
-    <mc:Choice xmlns:p159="http://schemas.microsoft.com/office/powerpoint/2015/09/main" Requires="p159">
+  <mc:AlternateContent xmlns:mc="http://schemas.openxmlformats.org/markup-compatibility/2006" xmlns:p159="http://schemas.microsoft.com/office/powerpoint/2015/09/main">
+    <mc:Choice Requires="p159">
       <p:transition xmlns:p14="http://schemas.microsoft.com/office/powerpoint/2010/main" spd="slow" p14:dur="2000">
         <p159:morph option="byObject"/>
       </p:transition>
     </mc:Choice>
-    <mc:Fallback>
+    <mc:Fallback xmlns="">
       <p:transition spd="slow">
         <p:fade/>
       </p:transition>
@@ -11638,7 +12675,7 @@
             <a:pPr algn="l"/>
             <a:r>
               <a:rPr lang="en-US" sz="4400" u="sng" dirty="0"/>
-              <a:t>ALPHA	-   28/1/2024</a:t>
+              <a:t>ALPHA-   28/1/2024</a:t>
             </a:r>
           </a:p>
         </p:txBody>
@@ -11670,7 +12707,7 @@
         </p:xfrm>
         <a:graphic>
           <a:graphicData uri="http://schemas.openxmlformats.org/drawingml/2006/diagram">
-            <dgm:relIds xmlns:dgm="http://schemas.openxmlformats.org/drawingml/2006/diagram" xmlns:r="http://schemas.openxmlformats.org/officeDocument/2006/relationships" r:dm="rId2" r:lo="rId3" r:qs="rId4" r:cs="rId5"/>
+            <dgm:relIds xmlns:dgm="http://schemas.openxmlformats.org/drawingml/2006/diagram" xmlns:r="http://schemas.openxmlformats.org/officeDocument/2006/relationships" r:dm="rId3" r:lo="rId4" r:qs="rId5" r:cs="rId6"/>
           </a:graphicData>
         </a:graphic>
       </p:graphicFrame>
@@ -12605,6 +13642,892 @@
   <p:cSld>
     <p:spTree>
       <p:nvGrpSpPr>
+        <p:cNvPr id="1" name="">
+          <a:extLst>
+            <a:ext uri="{FF2B5EF4-FFF2-40B4-BE49-F238E27FC236}">
+              <a16:creationId xmlns:a16="http://schemas.microsoft.com/office/drawing/2014/main" id="{AAA778E0-2AA3-AC50-E292-CC1A417A8D43}"/>
+            </a:ext>
+          </a:extLst>
+        </p:cNvPr>
+        <p:cNvGrpSpPr/>
+        <p:nvPr/>
+      </p:nvGrpSpPr>
+      <p:grpSpPr>
+        <a:xfrm>
+          <a:off x="0" y="0"/>
+          <a:ext cx="0" cy="0"/>
+          <a:chOff x="0" y="0"/>
+          <a:chExt cx="0" cy="0"/>
+        </a:xfrm>
+      </p:grpSpPr>
+      <p:sp>
+        <p:nvSpPr>
+          <p:cNvPr id="10" name="TextBox 9">
+            <a:extLst>
+              <a:ext uri="{FF2B5EF4-FFF2-40B4-BE49-F238E27FC236}">
+                <a16:creationId xmlns:a16="http://schemas.microsoft.com/office/drawing/2014/main" id="{3EDF6379-5F90-353B-111B-1725565E7C42}"/>
+              </a:ext>
+            </a:extLst>
+          </p:cNvPr>
+          <p:cNvSpPr txBox="1"/>
+          <p:nvPr/>
+        </p:nvSpPr>
+        <p:spPr>
+          <a:xfrm>
+            <a:off x="1372197" y="1722120"/>
+            <a:ext cx="4558480" cy="3354765"/>
+          </a:xfrm>
+          <a:prstGeom prst="rect">
+            <a:avLst/>
+          </a:prstGeom>
+          <a:noFill/>
+        </p:spPr>
+        <p:txBody>
+          <a:bodyPr wrap="square">
+            <a:spAutoFit/>
+          </a:bodyPr>
+          <a:lstStyle/>
+          <a:p>
+            <a:r>
+              <a:rPr lang="en-IL" sz="3200" u="sng" dirty="0"/>
+              <a:t>Default Factors</a:t>
+            </a:r>
+          </a:p>
+          <a:p>
+            <a:pPr marL="285750" indent="-285750">
+              <a:buFont typeface="Arial" panose="020B0604020202020204" pitchFamily="34" charset="0"/>
+              <a:buChar char="•"/>
+            </a:pPr>
+            <a:endParaRPr lang="he-IL" sz="2000" u="sng" dirty="0">
+              <a:effectLst/>
+              <a:latin typeface="Helvetica" pitchFamily="2" charset="0"/>
+            </a:endParaRPr>
+          </a:p>
+          <a:p>
+            <a:pPr marL="285750" indent="-285750">
+              <a:buFont typeface="Arial" panose="020B0604020202020204" pitchFamily="34" charset="0"/>
+              <a:buChar char="•"/>
+            </a:pPr>
+            <a:r>
+              <a:rPr lang="en-US" sz="2000" u="sng" dirty="0">
+                <a:effectLst/>
+                <a:latin typeface="Helvetica" pitchFamily="2" charset="0"/>
+              </a:rPr>
+              <a:t>Innovation Availability</a:t>
+            </a:r>
+            <a:endParaRPr lang="en-US" sz="2000" u="sng" dirty="0">
+              <a:latin typeface="Helvetica" pitchFamily="2" charset="0"/>
+            </a:endParaRPr>
+          </a:p>
+          <a:p>
+            <a:pPr marL="285750" indent="-285750">
+              <a:buFont typeface="Arial" panose="020B0604020202020204" pitchFamily="34" charset="0"/>
+              <a:buChar char="•"/>
+            </a:pPr>
+            <a:r>
+              <a:rPr lang="en-US" sz="2000" u="sng" dirty="0">
+                <a:effectLst/>
+                <a:latin typeface="Helvetica" pitchFamily="2" charset="0"/>
+              </a:rPr>
+              <a:t>Organizational Attentio</a:t>
+            </a:r>
+            <a:r>
+              <a:rPr lang="en-US" sz="2000" u="sng" dirty="0">
+                <a:latin typeface="Helvetica" pitchFamily="2" charset="0"/>
+              </a:rPr>
+              <a:t>n</a:t>
+            </a:r>
+          </a:p>
+          <a:p>
+            <a:pPr marL="285750" indent="-285750">
+              <a:buFont typeface="Arial" panose="020B0604020202020204" pitchFamily="34" charset="0"/>
+              <a:buChar char="•"/>
+            </a:pPr>
+            <a:r>
+              <a:rPr lang="en-US" sz="2000" dirty="0">
+                <a:effectLst/>
+                <a:latin typeface="Helvetica" pitchFamily="2" charset="0"/>
+              </a:rPr>
+              <a:t>Implementation Timeline Likelihood</a:t>
+            </a:r>
+            <a:endParaRPr lang="en-US" sz="2000" dirty="0">
+              <a:latin typeface="Helvetica" pitchFamily="2" charset="0"/>
+            </a:endParaRPr>
+          </a:p>
+          <a:p>
+            <a:pPr marL="285750" indent="-285750">
+              <a:buFont typeface="Arial" panose="020B0604020202020204" pitchFamily="34" charset="0"/>
+              <a:buChar char="•"/>
+            </a:pPr>
+            <a:r>
+              <a:rPr lang="en-US" sz="2000" dirty="0">
+                <a:effectLst/>
+                <a:latin typeface="Helvetica" pitchFamily="2" charset="0"/>
+              </a:rPr>
+              <a:t>Stakeholder Support</a:t>
+            </a:r>
+          </a:p>
+          <a:p>
+            <a:pPr marL="285750" indent="-285750">
+              <a:buFont typeface="Arial" panose="020B0604020202020204" pitchFamily="34" charset="0"/>
+              <a:buChar char="•"/>
+            </a:pPr>
+            <a:r>
+              <a:rPr lang="en-US" sz="2000" dirty="0">
+                <a:effectLst/>
+                <a:latin typeface="Helvetica" pitchFamily="2" charset="0"/>
+              </a:rPr>
+              <a:t>Financial Feasibility</a:t>
+            </a:r>
+            <a:endParaRPr lang="en-US" sz="2000" dirty="0">
+              <a:latin typeface="Helvetica" pitchFamily="2" charset="0"/>
+            </a:endParaRPr>
+          </a:p>
+          <a:p>
+            <a:pPr marL="285750" indent="-285750">
+              <a:buFont typeface="Arial" panose="020B0604020202020204" pitchFamily="34" charset="0"/>
+              <a:buChar char="•"/>
+            </a:pPr>
+            <a:r>
+              <a:rPr lang="en-US" sz="2000" dirty="0">
+                <a:effectLst/>
+                <a:latin typeface="Helvetica" pitchFamily="2" charset="0"/>
+              </a:rPr>
+              <a:t>Training Requirements</a:t>
+            </a:r>
+            <a:endParaRPr lang="en-US" sz="2000" dirty="0">
+              <a:latin typeface="Helvetica" pitchFamily="2" charset="0"/>
+            </a:endParaRPr>
+          </a:p>
+          <a:p>
+            <a:pPr marL="285750" indent="-285750">
+              <a:buFont typeface="Arial" panose="020B0604020202020204" pitchFamily="34" charset="0"/>
+              <a:buChar char="•"/>
+            </a:pPr>
+            <a:r>
+              <a:rPr lang="en-US" sz="2000" u="sng" dirty="0">
+                <a:effectLst/>
+                <a:latin typeface="Helvetica" pitchFamily="2" charset="0"/>
+              </a:rPr>
+              <a:t>Workflow Impact</a:t>
+            </a:r>
+          </a:p>
+          <a:p>
+            <a:pPr marL="285750" indent="-285750">
+              <a:buFont typeface="Arial" panose="020B0604020202020204" pitchFamily="34" charset="0"/>
+              <a:buChar char="•"/>
+            </a:pPr>
+            <a:r>
+              <a:rPr lang="en-US" sz="2000" dirty="0">
+                <a:effectLst/>
+                <a:latin typeface="Helvetica" pitchFamily="2" charset="0"/>
+              </a:rPr>
+              <a:t>Regulatory and Ethical Compliance</a:t>
+            </a:r>
+          </a:p>
+        </p:txBody>
+      </p:sp>
+      <p:cxnSp>
+        <p:nvCxnSpPr>
+          <p:cNvPr id="14" name="Straight Connector 13">
+            <a:extLst>
+              <a:ext uri="{FF2B5EF4-FFF2-40B4-BE49-F238E27FC236}">
+                <a16:creationId xmlns:a16="http://schemas.microsoft.com/office/drawing/2014/main" id="{E15B1227-975F-1150-57A7-9075C0C119A9}"/>
+              </a:ext>
+            </a:extLst>
+          </p:cNvPr>
+          <p:cNvCxnSpPr>
+            <a:cxnSpLocks/>
+          </p:cNvCxnSpPr>
+          <p:nvPr/>
+        </p:nvCxnSpPr>
+        <p:spPr>
+          <a:xfrm>
+            <a:off x="6390968" y="1710813"/>
+            <a:ext cx="0" cy="4582601"/>
+          </a:xfrm>
+          <a:prstGeom prst="line">
+            <a:avLst/>
+          </a:prstGeom>
+          <a:ln w="19050" cap="flat" cmpd="sng" algn="ctr">
+            <a:solidFill>
+              <a:schemeClr val="dk1"/>
+            </a:solidFill>
+            <a:prstDash val="dash"/>
+            <a:round/>
+            <a:headEnd type="none" w="med" len="med"/>
+            <a:tailEnd type="none" w="med" len="med"/>
+          </a:ln>
+        </p:spPr>
+        <p:style>
+          <a:lnRef idx="0">
+            <a:scrgbClr r="0" g="0" b="0"/>
+          </a:lnRef>
+          <a:fillRef idx="0">
+            <a:scrgbClr r="0" g="0" b="0"/>
+          </a:fillRef>
+          <a:effectRef idx="0">
+            <a:scrgbClr r="0" g="0" b="0"/>
+          </a:effectRef>
+          <a:fontRef idx="minor">
+            <a:schemeClr val="tx1"/>
+          </a:fontRef>
+        </p:style>
+      </p:cxnSp>
+      <p:sp>
+        <p:nvSpPr>
+          <p:cNvPr id="16" name="TextBox 15">
+            <a:extLst>
+              <a:ext uri="{FF2B5EF4-FFF2-40B4-BE49-F238E27FC236}">
+                <a16:creationId xmlns:a16="http://schemas.microsoft.com/office/drawing/2014/main" id="{268AC5F9-4FD1-B22D-75E8-C65881B0771F}"/>
+              </a:ext>
+            </a:extLst>
+          </p:cNvPr>
+          <p:cNvSpPr txBox="1"/>
+          <p:nvPr/>
+        </p:nvSpPr>
+        <p:spPr>
+          <a:xfrm>
+            <a:off x="6902245" y="3730895"/>
+            <a:ext cx="3441836" cy="2246769"/>
+          </a:xfrm>
+          <a:prstGeom prst="rect">
+            <a:avLst/>
+          </a:prstGeom>
+          <a:noFill/>
+        </p:spPr>
+        <p:txBody>
+          <a:bodyPr wrap="square" rtlCol="0">
+            <a:spAutoFit/>
+          </a:bodyPr>
+          <a:lstStyle/>
+          <a:p>
+            <a:r>
+              <a:rPr lang="en-IL" sz="3200" u="sng" dirty="0"/>
+              <a:t>Severity Levels</a:t>
+            </a:r>
+          </a:p>
+          <a:p>
+            <a:pPr marL="0" defTabSz="457200" eaLnBrk="1" latinLnBrk="0" hangingPunct="1"/>
+            <a:endParaRPr lang="he-IL" dirty="0"/>
+          </a:p>
+          <a:p>
+            <a:pPr marL="0" defTabSz="457200" eaLnBrk="1" latinLnBrk="0" hangingPunct="1"/>
+            <a:r>
+              <a:rPr lang="en-US" dirty="0"/>
+              <a:t>-   No to Negligible Damage</a:t>
+            </a:r>
+          </a:p>
+          <a:p>
+            <a:pPr marL="0" defTabSz="457200" eaLnBrk="1" latinLnBrk="0" hangingPunct="1"/>
+            <a:r>
+              <a:rPr lang="en-IL" dirty="0"/>
+              <a:t>-   Minor Damage</a:t>
+            </a:r>
+          </a:p>
+          <a:p>
+            <a:pPr marL="285750" indent="-285750" defTabSz="457200" eaLnBrk="1" latinLnBrk="0" hangingPunct="1">
+              <a:buFontTx/>
+              <a:buChar char="-"/>
+            </a:pPr>
+            <a:r>
+              <a:rPr lang="en-IL" dirty="0"/>
+              <a:t>Manageable Damage</a:t>
+            </a:r>
+          </a:p>
+          <a:p>
+            <a:pPr marL="285750" indent="-285750" defTabSz="457200" eaLnBrk="1" latinLnBrk="0" hangingPunct="1">
+              <a:buFontTx/>
+              <a:buChar char="-"/>
+            </a:pPr>
+            <a:r>
+              <a:rPr lang="en-IL" dirty="0"/>
+              <a:t>Severe Damage</a:t>
+            </a:r>
+          </a:p>
+          <a:p>
+            <a:pPr marL="285750" indent="-285750" defTabSz="457200" eaLnBrk="1" latinLnBrk="0" hangingPunct="1">
+              <a:buFontTx/>
+              <a:buChar char="-"/>
+            </a:pPr>
+            <a:r>
+              <a:rPr lang="en-IL" dirty="0"/>
+              <a:t>Catastrophic Damage</a:t>
+            </a:r>
+          </a:p>
+        </p:txBody>
+      </p:sp>
+      <p:sp>
+        <p:nvSpPr>
+          <p:cNvPr id="17" name="TextBox 16">
+            <a:extLst>
+              <a:ext uri="{FF2B5EF4-FFF2-40B4-BE49-F238E27FC236}">
+                <a16:creationId xmlns:a16="http://schemas.microsoft.com/office/drawing/2014/main" id="{B856FCDE-243C-E929-2D0F-F862B5833FCD}"/>
+              </a:ext>
+            </a:extLst>
+          </p:cNvPr>
+          <p:cNvSpPr txBox="1"/>
+          <p:nvPr/>
+        </p:nvSpPr>
+        <p:spPr>
+          <a:xfrm>
+            <a:off x="2588410" y="523606"/>
+            <a:ext cx="3621504" cy="646331"/>
+          </a:xfrm>
+          <a:prstGeom prst="rect">
+            <a:avLst/>
+          </a:prstGeom>
+          <a:noFill/>
+        </p:spPr>
+        <p:txBody>
+          <a:bodyPr wrap="none" rtlCol="0">
+            <a:spAutoFit/>
+          </a:bodyPr>
+          <a:lstStyle/>
+          <a:p>
+            <a:r>
+              <a:rPr lang="en-IL" sz="3600" u="sng" dirty="0"/>
+              <a:t>Project Stracture</a:t>
+            </a:r>
+          </a:p>
+        </p:txBody>
+      </p:sp>
+      <p:sp>
+        <p:nvSpPr>
+          <p:cNvPr id="18" name="Rectangle 17">
+            <a:extLst>
+              <a:ext uri="{FF2B5EF4-FFF2-40B4-BE49-F238E27FC236}">
+                <a16:creationId xmlns:a16="http://schemas.microsoft.com/office/drawing/2014/main" id="{1CB83584-1164-645D-DCEB-19C2507EFE4A}"/>
+              </a:ext>
+            </a:extLst>
+          </p:cNvPr>
+          <p:cNvSpPr/>
+          <p:nvPr/>
+        </p:nvSpPr>
+        <p:spPr>
+          <a:xfrm>
+            <a:off x="1119649" y="1356852"/>
+            <a:ext cx="4976351" cy="4085303"/>
+          </a:xfrm>
+          <a:prstGeom prst="rect">
+            <a:avLst/>
+          </a:prstGeom>
+          <a:noFill/>
+          <a:ln w="38100">
+            <a:solidFill>
+              <a:schemeClr val="accent1">
+                <a:lumMod val="60000"/>
+                <a:lumOff val="40000"/>
+              </a:schemeClr>
+            </a:solidFill>
+          </a:ln>
+        </p:spPr>
+        <p:style>
+          <a:lnRef idx="2">
+            <a:schemeClr val="accent6"/>
+          </a:lnRef>
+          <a:fillRef idx="1">
+            <a:schemeClr val="lt1"/>
+          </a:fillRef>
+          <a:effectRef idx="0">
+            <a:schemeClr val="accent6"/>
+          </a:effectRef>
+          <a:fontRef idx="minor">
+            <a:schemeClr val="dk1"/>
+          </a:fontRef>
+        </p:style>
+        <p:txBody>
+          <a:bodyPr rtlCol="0" anchor="ctr"/>
+          <a:lstStyle/>
+          <a:p>
+            <a:pPr marL="0" algn="ctr" defTabSz="457200" rtl="1" eaLnBrk="1" latinLnBrk="0" hangingPunct="1"/>
+            <a:endParaRPr lang="en-IL"/>
+          </a:p>
+        </p:txBody>
+      </p:sp>
+      <p:sp>
+        <p:nvSpPr>
+          <p:cNvPr id="19" name="Rectangle 18">
+            <a:extLst>
+              <a:ext uri="{FF2B5EF4-FFF2-40B4-BE49-F238E27FC236}">
+                <a16:creationId xmlns:a16="http://schemas.microsoft.com/office/drawing/2014/main" id="{9B900C23-2D58-FDF6-567D-AAF743286B4C}"/>
+              </a:ext>
+            </a:extLst>
+          </p:cNvPr>
+          <p:cNvSpPr/>
+          <p:nvPr/>
+        </p:nvSpPr>
+        <p:spPr>
+          <a:xfrm>
+            <a:off x="6685937" y="3549514"/>
+            <a:ext cx="4118435" cy="2600563"/>
+          </a:xfrm>
+          <a:prstGeom prst="rect">
+            <a:avLst/>
+          </a:prstGeom>
+          <a:noFill/>
+          <a:ln w="38100">
+            <a:solidFill>
+              <a:schemeClr val="accent1">
+                <a:lumMod val="60000"/>
+                <a:lumOff val="40000"/>
+              </a:schemeClr>
+            </a:solidFill>
+          </a:ln>
+        </p:spPr>
+        <p:style>
+          <a:lnRef idx="2">
+            <a:schemeClr val="accent6"/>
+          </a:lnRef>
+          <a:fillRef idx="1">
+            <a:schemeClr val="lt1"/>
+          </a:fillRef>
+          <a:effectRef idx="0">
+            <a:schemeClr val="accent6"/>
+          </a:effectRef>
+          <a:fontRef idx="minor">
+            <a:schemeClr val="dk1"/>
+          </a:fontRef>
+        </p:style>
+        <p:txBody>
+          <a:bodyPr rtlCol="0" anchor="ctr"/>
+          <a:lstStyle/>
+          <a:p>
+            <a:pPr marL="0" algn="ctr" defTabSz="457200" rtl="1" eaLnBrk="1" latinLnBrk="0" hangingPunct="1"/>
+            <a:endParaRPr lang="en-IL"/>
+          </a:p>
+        </p:txBody>
+      </p:sp>
+    </p:spTree>
+    <p:extLst>
+      <p:ext uri="{BB962C8B-B14F-4D97-AF65-F5344CB8AC3E}">
+        <p14:creationId xmlns:p14="http://schemas.microsoft.com/office/powerpoint/2010/main" val="3362960605"/>
+      </p:ext>
+    </p:extLst>
+  </p:cSld>
+  <p:clrMapOvr>
+    <a:masterClrMapping/>
+  </p:clrMapOvr>
+  <p:transition spd="slow">
+    <p:wipe/>
+  </p:transition>
+  <p:timing>
+    <p:tnLst>
+      <p:par>
+        <p:cTn id="1" dur="indefinite" restart="never" nodeType="tmRoot">
+          <p:childTnLst>
+            <p:seq concurrent="1" nextAc="seek">
+              <p:cTn id="2" dur="indefinite" nodeType="mainSeq">
+                <p:childTnLst>
+                  <p:par>
+                    <p:cTn id="3" fill="hold">
+                      <p:stCondLst>
+                        <p:cond delay="indefinite"/>
+                      </p:stCondLst>
+                      <p:childTnLst>
+                        <p:par>
+                          <p:cTn id="4" fill="hold">
+                            <p:stCondLst>
+                              <p:cond delay="0"/>
+                            </p:stCondLst>
+                            <p:childTnLst>
+                              <p:par>
+                                <p:cTn id="5" presetID="2" presetClass="entr" presetSubtype="4" fill="hold" grpId="0" nodeType="clickEffect">
+                                  <p:stCondLst>
+                                    <p:cond delay="0"/>
+                                  </p:stCondLst>
+                                  <p:childTnLst>
+                                    <p:set>
+                                      <p:cBhvr>
+                                        <p:cTn id="6" dur="1" fill="hold">
+                                          <p:stCondLst>
+                                            <p:cond delay="0"/>
+                                          </p:stCondLst>
+                                        </p:cTn>
+                                        <p:tgtEl>
+                                          <p:spTgt spid="19"/>
+                                        </p:tgtEl>
+                                        <p:attrNameLst>
+                                          <p:attrName>style.visibility</p:attrName>
+                                        </p:attrNameLst>
+                                      </p:cBhvr>
+                                      <p:to>
+                                        <p:strVal val="visible"/>
+                                      </p:to>
+                                    </p:set>
+                                    <p:anim calcmode="lin" valueType="num">
+                                      <p:cBhvr additive="base">
+                                        <p:cTn id="7" dur="500" fill="hold"/>
+                                        <p:tgtEl>
+                                          <p:spTgt spid="19"/>
+                                        </p:tgtEl>
+                                        <p:attrNameLst>
+                                          <p:attrName>ppt_x</p:attrName>
+                                        </p:attrNameLst>
+                                      </p:cBhvr>
+                                      <p:tavLst>
+                                        <p:tav tm="0">
+                                          <p:val>
+                                            <p:strVal val="#ppt_x"/>
+                                          </p:val>
+                                        </p:tav>
+                                        <p:tav tm="100000">
+                                          <p:val>
+                                            <p:strVal val="#ppt_x"/>
+                                          </p:val>
+                                        </p:tav>
+                                      </p:tavLst>
+                                    </p:anim>
+                                    <p:anim calcmode="lin" valueType="num">
+                                      <p:cBhvr additive="base">
+                                        <p:cTn id="8" dur="500" fill="hold"/>
+                                        <p:tgtEl>
+                                          <p:spTgt spid="19"/>
+                                        </p:tgtEl>
+                                        <p:attrNameLst>
+                                          <p:attrName>ppt_y</p:attrName>
+                                        </p:attrNameLst>
+                                      </p:cBhvr>
+                                      <p:tavLst>
+                                        <p:tav tm="0">
+                                          <p:val>
+                                            <p:strVal val="1+#ppt_h/2"/>
+                                          </p:val>
+                                        </p:tav>
+                                        <p:tav tm="100000">
+                                          <p:val>
+                                            <p:strVal val="#ppt_y"/>
+                                          </p:val>
+                                        </p:tav>
+                                      </p:tavLst>
+                                    </p:anim>
+                                  </p:childTnLst>
+                                </p:cTn>
+                              </p:par>
+                              <p:par>
+                                <p:cTn id="9" presetID="1" presetClass="entr" presetSubtype="0" fill="hold" nodeType="withEffect">
+                                  <p:stCondLst>
+                                    <p:cond delay="0"/>
+                                  </p:stCondLst>
+                                  <p:childTnLst>
+                                    <p:set>
+                                      <p:cBhvr>
+                                        <p:cTn id="10" dur="1" fill="hold">
+                                          <p:stCondLst>
+                                            <p:cond delay="0"/>
+                                          </p:stCondLst>
+                                        </p:cTn>
+                                        <p:tgtEl>
+                                          <p:spTgt spid="14"/>
+                                        </p:tgtEl>
+                                        <p:attrNameLst>
+                                          <p:attrName>style.visibility</p:attrName>
+                                        </p:attrNameLst>
+                                      </p:cBhvr>
+                                      <p:to>
+                                        <p:strVal val="visible"/>
+                                      </p:to>
+                                    </p:set>
+                                  </p:childTnLst>
+                                </p:cTn>
+                              </p:par>
+                              <p:par>
+                                <p:cTn id="11" presetID="2" presetClass="entr" presetSubtype="4" fill="hold" grpId="0" nodeType="withEffect">
+                                  <p:stCondLst>
+                                    <p:cond delay="0"/>
+                                  </p:stCondLst>
+                                  <p:childTnLst>
+                                    <p:set>
+                                      <p:cBhvr>
+                                        <p:cTn id="12" dur="1" fill="hold">
+                                          <p:stCondLst>
+                                            <p:cond delay="0"/>
+                                          </p:stCondLst>
+                                        </p:cTn>
+                                        <p:tgtEl>
+                                          <p:spTgt spid="18"/>
+                                        </p:tgtEl>
+                                        <p:attrNameLst>
+                                          <p:attrName>style.visibility</p:attrName>
+                                        </p:attrNameLst>
+                                      </p:cBhvr>
+                                      <p:to>
+                                        <p:strVal val="visible"/>
+                                      </p:to>
+                                    </p:set>
+                                    <p:anim calcmode="lin" valueType="num">
+                                      <p:cBhvr additive="base">
+                                        <p:cTn id="13" dur="500" fill="hold"/>
+                                        <p:tgtEl>
+                                          <p:spTgt spid="18"/>
+                                        </p:tgtEl>
+                                        <p:attrNameLst>
+                                          <p:attrName>ppt_x</p:attrName>
+                                        </p:attrNameLst>
+                                      </p:cBhvr>
+                                      <p:tavLst>
+                                        <p:tav tm="0">
+                                          <p:val>
+                                            <p:strVal val="#ppt_x"/>
+                                          </p:val>
+                                        </p:tav>
+                                        <p:tav tm="100000">
+                                          <p:val>
+                                            <p:strVal val="#ppt_x"/>
+                                          </p:val>
+                                        </p:tav>
+                                      </p:tavLst>
+                                    </p:anim>
+                                    <p:anim calcmode="lin" valueType="num">
+                                      <p:cBhvr additive="base">
+                                        <p:cTn id="14" dur="500" fill="hold"/>
+                                        <p:tgtEl>
+                                          <p:spTgt spid="18"/>
+                                        </p:tgtEl>
+                                        <p:attrNameLst>
+                                          <p:attrName>ppt_y</p:attrName>
+                                        </p:attrNameLst>
+                                      </p:cBhvr>
+                                      <p:tavLst>
+                                        <p:tav tm="0">
+                                          <p:val>
+                                            <p:strVal val="1+#ppt_h/2"/>
+                                          </p:val>
+                                        </p:tav>
+                                        <p:tav tm="100000">
+                                          <p:val>
+                                            <p:strVal val="#ppt_y"/>
+                                          </p:val>
+                                        </p:tav>
+                                      </p:tavLst>
+                                    </p:anim>
+                                  </p:childTnLst>
+                                </p:cTn>
+                              </p:par>
+                            </p:childTnLst>
+                          </p:cTn>
+                        </p:par>
+                      </p:childTnLst>
+                    </p:cTn>
+                  </p:par>
+                  <p:par>
+                    <p:cTn id="15" fill="hold">
+                      <p:stCondLst>
+                        <p:cond delay="indefinite"/>
+                      </p:stCondLst>
+                      <p:childTnLst>
+                        <p:par>
+                          <p:cTn id="16" fill="hold">
+                            <p:stCondLst>
+                              <p:cond delay="0"/>
+                            </p:stCondLst>
+                            <p:childTnLst>
+                              <p:par>
+                                <p:cTn id="17" presetID="2" presetClass="entr" presetSubtype="4" fill="hold" grpId="0" nodeType="clickEffect">
+                                  <p:stCondLst>
+                                    <p:cond delay="0"/>
+                                  </p:stCondLst>
+                                  <p:childTnLst>
+                                    <p:set>
+                                      <p:cBhvr>
+                                        <p:cTn id="18" dur="1" fill="hold">
+                                          <p:stCondLst>
+                                            <p:cond delay="0"/>
+                                          </p:stCondLst>
+                                        </p:cTn>
+                                        <p:tgtEl>
+                                          <p:spTgt spid="10"/>
+                                        </p:tgtEl>
+                                        <p:attrNameLst>
+                                          <p:attrName>style.visibility</p:attrName>
+                                        </p:attrNameLst>
+                                      </p:cBhvr>
+                                      <p:to>
+                                        <p:strVal val="visible"/>
+                                      </p:to>
+                                    </p:set>
+                                    <p:anim calcmode="lin" valueType="num">
+                                      <p:cBhvr additive="base">
+                                        <p:cTn id="19" dur="500" fill="hold"/>
+                                        <p:tgtEl>
+                                          <p:spTgt spid="10"/>
+                                        </p:tgtEl>
+                                        <p:attrNameLst>
+                                          <p:attrName>ppt_x</p:attrName>
+                                        </p:attrNameLst>
+                                      </p:cBhvr>
+                                      <p:tavLst>
+                                        <p:tav tm="0">
+                                          <p:val>
+                                            <p:strVal val="#ppt_x"/>
+                                          </p:val>
+                                        </p:tav>
+                                        <p:tav tm="100000">
+                                          <p:val>
+                                            <p:strVal val="#ppt_x"/>
+                                          </p:val>
+                                        </p:tav>
+                                      </p:tavLst>
+                                    </p:anim>
+                                    <p:anim calcmode="lin" valueType="num">
+                                      <p:cBhvr additive="base">
+                                        <p:cTn id="20" dur="500" fill="hold"/>
+                                        <p:tgtEl>
+                                          <p:spTgt spid="10"/>
+                                        </p:tgtEl>
+                                        <p:attrNameLst>
+                                          <p:attrName>ppt_y</p:attrName>
+                                        </p:attrNameLst>
+                                      </p:cBhvr>
+                                      <p:tavLst>
+                                        <p:tav tm="0">
+                                          <p:val>
+                                            <p:strVal val="1+#ppt_h/2"/>
+                                          </p:val>
+                                        </p:tav>
+                                        <p:tav tm="100000">
+                                          <p:val>
+                                            <p:strVal val="#ppt_y"/>
+                                          </p:val>
+                                        </p:tav>
+                                      </p:tavLst>
+                                    </p:anim>
+                                  </p:childTnLst>
+                                </p:cTn>
+                              </p:par>
+                            </p:childTnLst>
+                          </p:cTn>
+                        </p:par>
+                      </p:childTnLst>
+                    </p:cTn>
+                  </p:par>
+                  <p:par>
+                    <p:cTn id="21" fill="hold">
+                      <p:stCondLst>
+                        <p:cond delay="indefinite"/>
+                      </p:stCondLst>
+                      <p:childTnLst>
+                        <p:par>
+                          <p:cTn id="22" fill="hold">
+                            <p:stCondLst>
+                              <p:cond delay="0"/>
+                            </p:stCondLst>
+                            <p:childTnLst>
+                              <p:par>
+                                <p:cTn id="23" presetID="2" presetClass="entr" presetSubtype="4" fill="hold" grpId="0" nodeType="clickEffect">
+                                  <p:stCondLst>
+                                    <p:cond delay="0"/>
+                                  </p:stCondLst>
+                                  <p:childTnLst>
+                                    <p:set>
+                                      <p:cBhvr>
+                                        <p:cTn id="24" dur="1" fill="hold">
+                                          <p:stCondLst>
+                                            <p:cond delay="0"/>
+                                          </p:stCondLst>
+                                        </p:cTn>
+                                        <p:tgtEl>
+                                          <p:spTgt spid="16"/>
+                                        </p:tgtEl>
+                                        <p:attrNameLst>
+                                          <p:attrName>style.visibility</p:attrName>
+                                        </p:attrNameLst>
+                                      </p:cBhvr>
+                                      <p:to>
+                                        <p:strVal val="visible"/>
+                                      </p:to>
+                                    </p:set>
+                                    <p:anim calcmode="lin" valueType="num">
+                                      <p:cBhvr additive="base">
+                                        <p:cTn id="25" dur="500" fill="hold"/>
+                                        <p:tgtEl>
+                                          <p:spTgt spid="16"/>
+                                        </p:tgtEl>
+                                        <p:attrNameLst>
+                                          <p:attrName>ppt_x</p:attrName>
+                                        </p:attrNameLst>
+                                      </p:cBhvr>
+                                      <p:tavLst>
+                                        <p:tav tm="0">
+                                          <p:val>
+                                            <p:strVal val="#ppt_x"/>
+                                          </p:val>
+                                        </p:tav>
+                                        <p:tav tm="100000">
+                                          <p:val>
+                                            <p:strVal val="#ppt_x"/>
+                                          </p:val>
+                                        </p:tav>
+                                      </p:tavLst>
+                                    </p:anim>
+                                    <p:anim calcmode="lin" valueType="num">
+                                      <p:cBhvr additive="base">
+                                        <p:cTn id="26" dur="500" fill="hold"/>
+                                        <p:tgtEl>
+                                          <p:spTgt spid="16"/>
+                                        </p:tgtEl>
+                                        <p:attrNameLst>
+                                          <p:attrName>ppt_y</p:attrName>
+                                        </p:attrNameLst>
+                                      </p:cBhvr>
+                                      <p:tavLst>
+                                        <p:tav tm="0">
+                                          <p:val>
+                                            <p:strVal val="1+#ppt_h/2"/>
+                                          </p:val>
+                                        </p:tav>
+                                        <p:tav tm="100000">
+                                          <p:val>
+                                            <p:strVal val="#ppt_y"/>
+                                          </p:val>
+                                        </p:tav>
+                                      </p:tavLst>
+                                    </p:anim>
+                                  </p:childTnLst>
+                                </p:cTn>
+                              </p:par>
+                            </p:childTnLst>
+                          </p:cTn>
+                        </p:par>
+                      </p:childTnLst>
+                    </p:cTn>
+                  </p:par>
+                </p:childTnLst>
+              </p:cTn>
+              <p:prevCondLst>
+                <p:cond evt="onPrev" delay="0">
+                  <p:tgtEl>
+                    <p:sldTgt/>
+                  </p:tgtEl>
+                </p:cond>
+              </p:prevCondLst>
+              <p:nextCondLst>
+                <p:cond evt="onNext" delay="0">
+                  <p:tgtEl>
+                    <p:sldTgt/>
+                  </p:tgtEl>
+                </p:cond>
+              </p:nextCondLst>
+            </p:seq>
+          </p:childTnLst>
+        </p:cTn>
+      </p:par>
+    </p:tnLst>
+    <p:bldLst>
+      <p:bldP spid="10" grpId="0"/>
+      <p:bldP spid="16" grpId="0"/>
+      <p:bldP spid="18" grpId="0" animBg="1"/>
+      <p:bldP spid="19" grpId="0" animBg="1"/>
+    </p:bldLst>
+  </p:timing>
+</p:sld>
+</file>
+
+<file path=ppt/slides/slide4.xml><?xml version="1.0" encoding="utf-8"?>
+<p:sld xmlns:a="http://schemas.openxmlformats.org/drawingml/2006/main" xmlns:r="http://schemas.openxmlformats.org/officeDocument/2006/relationships" xmlns:p="http://schemas.openxmlformats.org/presentationml/2006/main">
+  <p:cSld>
+    <p:spTree>
+      <p:nvGrpSpPr>
         <p:cNvPr id="1" name=""/>
         <p:cNvGrpSpPr/>
         <p:nvPr/>
@@ -12632,14 +14555,14 @@
           <p:nvPr/>
         </p:nvPicPr>
         <p:blipFill>
-          <a:blip r:embed="rId2"/>
+          <a:blip r:embed="rId3"/>
           <a:stretch>
             <a:fillRect/>
           </a:stretch>
         </p:blipFill>
         <p:spPr>
           <a:xfrm>
-            <a:off x="-177737" y="66676"/>
+            <a:off x="0" y="0"/>
             <a:ext cx="6061703" cy="3091468"/>
           </a:xfrm>
           <a:prstGeom prst="rect">
@@ -12647,42 +14570,55 @@
           </a:prstGeom>
         </p:spPr>
       </p:pic>
+      <p:cxnSp>
+        <p:nvCxnSpPr>
+          <p:cNvPr id="9" name="Straight Connector 8">
+            <a:extLst>
+              <a:ext uri="{FF2B5EF4-FFF2-40B4-BE49-F238E27FC236}">
+                <a16:creationId xmlns:a16="http://schemas.microsoft.com/office/drawing/2014/main" id="{63845299-D66A-1D19-BB46-BB2B49DBBC88}"/>
+              </a:ext>
+            </a:extLst>
+          </p:cNvPr>
+          <p:cNvCxnSpPr>
+            <a:cxnSpLocks/>
+          </p:cNvCxnSpPr>
+          <p:nvPr/>
+        </p:nvCxnSpPr>
+        <p:spPr>
+          <a:xfrm flipH="1">
+            <a:off x="1428750" y="3356694"/>
+            <a:ext cx="3900488" cy="0"/>
+          </a:xfrm>
+          <a:prstGeom prst="line">
+            <a:avLst/>
+          </a:prstGeom>
+          <a:ln w="34925">
+            <a:solidFill>
+              <a:schemeClr val="tx1"/>
+            </a:solidFill>
+          </a:ln>
+        </p:spPr>
+        <p:style>
+          <a:lnRef idx="1">
+            <a:schemeClr val="dk1"/>
+          </a:lnRef>
+          <a:fillRef idx="0">
+            <a:schemeClr val="dk1"/>
+          </a:fillRef>
+          <a:effectRef idx="0">
+            <a:schemeClr val="dk1"/>
+          </a:effectRef>
+          <a:fontRef idx="minor">
+            <a:schemeClr val="tx1"/>
+          </a:fontRef>
+        </p:style>
+      </p:cxnSp>
       <p:pic>
         <p:nvPicPr>
           <p:cNvPr id="6" name="Picture 5">
             <a:extLst>
               <a:ext uri="{FF2B5EF4-FFF2-40B4-BE49-F238E27FC236}">
                 <a16:creationId xmlns:a16="http://schemas.microsoft.com/office/drawing/2014/main" id="{A9D9047D-B446-2286-72BE-5DDB3CAC8CDD}"/>
-              </a:ext>
-            </a:extLst>
-          </p:cNvPr>
-          <p:cNvPicPr>
-            <a:picLocks noChangeAspect="1"/>
-          </p:cNvPicPr>
-          <p:nvPr/>
-        </p:nvPicPr>
-        <p:blipFill>
-          <a:blip r:embed="rId3"/>
-          <a:stretch>
-            <a:fillRect/>
-          </a:stretch>
-        </p:blipFill>
-        <p:spPr>
-          <a:xfrm>
-            <a:off x="457201" y="3831055"/>
-            <a:ext cx="5426764" cy="2360641"/>
-          </a:xfrm>
-          <a:prstGeom prst="rect">
-            <a:avLst/>
-          </a:prstGeom>
-        </p:spPr>
-      </p:pic>
-      <p:pic>
-        <p:nvPicPr>
-          <p:cNvPr id="5" name="Picture 4">
-            <a:extLst>
-              <a:ext uri="{FF2B5EF4-FFF2-40B4-BE49-F238E27FC236}">
-                <a16:creationId xmlns:a16="http://schemas.microsoft.com/office/drawing/2014/main" id="{CC04C056-3569-E5F5-EC7A-01AA85717DE2}"/>
               </a:ext>
             </a:extLst>
           </p:cNvPr>
@@ -12699,8 +14635,8 @@
         </p:blipFill>
         <p:spPr>
           <a:xfrm>
-            <a:off x="6308034" y="765415"/>
-            <a:ext cx="5426764" cy="5182559"/>
+            <a:off x="457201" y="3831055"/>
+            <a:ext cx="5426764" cy="2360641"/>
           </a:xfrm>
           <a:prstGeom prst="rect">
             <a:avLst/>
@@ -12748,49 +14684,36 @@
           </a:fontRef>
         </p:style>
       </p:cxnSp>
-      <p:cxnSp>
-        <p:nvCxnSpPr>
-          <p:cNvPr id="9" name="Straight Connector 8">
+      <p:pic>
+        <p:nvPicPr>
+          <p:cNvPr id="5" name="Picture 4">
             <a:extLst>
               <a:ext uri="{FF2B5EF4-FFF2-40B4-BE49-F238E27FC236}">
-                <a16:creationId xmlns:a16="http://schemas.microsoft.com/office/drawing/2014/main" id="{63845299-D66A-1D19-BB46-BB2B49DBBC88}"/>
+                <a16:creationId xmlns:a16="http://schemas.microsoft.com/office/drawing/2014/main" id="{CC04C056-3569-E5F5-EC7A-01AA85717DE2}"/>
               </a:ext>
             </a:extLst>
           </p:cNvPr>
-          <p:cNvCxnSpPr>
-            <a:cxnSpLocks/>
-          </p:cNvCxnSpPr>
+          <p:cNvPicPr>
+            <a:picLocks noChangeAspect="1"/>
+          </p:cNvPicPr>
           <p:nvPr/>
-        </p:nvCxnSpPr>
+        </p:nvPicPr>
+        <p:blipFill>
+          <a:blip r:embed="rId5"/>
+          <a:stretch>
+            <a:fillRect/>
+          </a:stretch>
+        </p:blipFill>
         <p:spPr>
-          <a:xfrm flipH="1">
-            <a:off x="1428750" y="3356694"/>
-            <a:ext cx="3900488" cy="0"/>
+          <a:xfrm>
+            <a:off x="6308034" y="765415"/>
+            <a:ext cx="5426764" cy="5182559"/>
           </a:xfrm>
-          <a:prstGeom prst="line">
+          <a:prstGeom prst="rect">
             <a:avLst/>
           </a:prstGeom>
-          <a:ln w="34925">
-            <a:solidFill>
-              <a:schemeClr val="tx1"/>
-            </a:solidFill>
-          </a:ln>
         </p:spPr>
-        <p:style>
-          <a:lnRef idx="1">
-            <a:schemeClr val="dk1"/>
-          </a:lnRef>
-          <a:fillRef idx="0">
-            <a:schemeClr val="dk1"/>
-          </a:fillRef>
-          <a:effectRef idx="0">
-            <a:schemeClr val="dk1"/>
-          </a:effectRef>
-          <a:fontRef idx="minor">
-            <a:schemeClr val="tx1"/>
-          </a:fontRef>
-        </p:style>
-      </p:cxnSp>
+      </p:pic>
     </p:spTree>
     <p:extLst>
       <p:ext uri="{BB962C8B-B14F-4D97-AF65-F5344CB8AC3E}">
@@ -12838,7 +14761,7 @@
                                           </p:stCondLst>
                                         </p:cTn>
                                         <p:tgtEl>
-                                          <p:spTgt spid="8"/>
+                                          <p:spTgt spid="5"/>
                                         </p:tgtEl>
                                         <p:attrNameLst>
                                           <p:attrName>style.visibility</p:attrName>
@@ -12852,7 +14775,7 @@
                                       <p:cBhvr additive="base">
                                         <p:cTn id="7" dur="500" fill="hold"/>
                                         <p:tgtEl>
-                                          <p:spTgt spid="8"/>
+                                          <p:spTgt spid="5"/>
                                         </p:tgtEl>
                                         <p:attrNameLst>
                                           <p:attrName>ppt_x</p:attrName>
@@ -12875,7 +14798,7 @@
                                       <p:cBhvr additive="base">
                                         <p:cTn id="8" dur="500" fill="hold"/>
                                         <p:tgtEl>
-                                          <p:spTgt spid="8"/>
+                                          <p:spTgt spid="5"/>
                                         </p:tgtEl>
                                         <p:attrNameLst>
                                           <p:attrName>ppt_y</p:attrName>
@@ -12897,6 +14820,33 @@
                                   </p:childTnLst>
                                 </p:cTn>
                               </p:par>
+                              <p:par>
+                                <p:cTn id="9" presetID="1" presetClass="entr" presetSubtype="0" fill="hold" nodeType="withEffect">
+                                  <p:stCondLst>
+                                    <p:cond delay="0"/>
+                                  </p:stCondLst>
+                                  <p:childTnLst>
+                                    <p:set>
+                                      <p:cBhvr>
+                                        <p:cTn id="10" dur="1" fill="hold">
+                                          <p:stCondLst>
+                                            <p:cond delay="0"/>
+                                          </p:stCondLst>
+                                        </p:cTn>
+                                        <p:tgtEl>
+                                          <p:spTgt spid="7"/>
+                                        </p:tgtEl>
+                                        <p:attrNameLst>
+                                          <p:attrName>style.visibility</p:attrName>
+                                        </p:attrNameLst>
+                                      </p:cBhvr>
+                                      <p:to>
+                                        <p:strVal val="visible"/>
+                                      </p:to>
+                                    </p:set>
+                                  </p:childTnLst>
+                                </p:cTn>
+                              </p:par>
                             </p:childTnLst>
                           </p:cTn>
                         </p:par>
@@ -12904,26 +14854,26 @@
                     </p:cTn>
                   </p:par>
                   <p:par>
-                    <p:cTn id="9" fill="hold">
+                    <p:cTn id="11" fill="hold">
                       <p:stCondLst>
                         <p:cond delay="indefinite"/>
                       </p:stCondLst>
                       <p:childTnLst>
                         <p:par>
-                          <p:cTn id="10" fill="hold">
+                          <p:cTn id="12" fill="hold">
                             <p:stCondLst>
                               <p:cond delay="0"/>
                             </p:stCondLst>
                             <p:childTnLst>
                               <p:par>
-                                <p:cTn id="11" presetID="2" presetClass="entr" presetSubtype="4" fill="hold" nodeType="clickEffect">
+                                <p:cTn id="13" presetID="2" presetClass="entr" presetSubtype="4" fill="hold" nodeType="clickEffect">
                                   <p:stCondLst>
                                     <p:cond delay="0"/>
                                   </p:stCondLst>
                                   <p:childTnLst>
                                     <p:set>
                                       <p:cBhvr>
-                                        <p:cTn id="12" dur="1" fill="hold">
+                                        <p:cTn id="14" dur="1" fill="hold">
                                           <p:stCondLst>
                                             <p:cond delay="0"/>
                                           </p:stCondLst>
@@ -12941,7 +14891,7 @@
                                     </p:set>
                                     <p:anim calcmode="lin" valueType="num">
                                       <p:cBhvr additive="base">
-                                        <p:cTn id="13" dur="500" fill="hold"/>
+                                        <p:cTn id="15" dur="500" fill="hold"/>
                                         <p:tgtEl>
                                           <p:spTgt spid="6"/>
                                         </p:tgtEl>
@@ -12964,7 +14914,7 @@
                                     </p:anim>
                                     <p:anim calcmode="lin" valueType="num">
                                       <p:cBhvr additive="base">
-                                        <p:cTn id="14" dur="500" fill="hold"/>
+                                        <p:cTn id="16" dur="500" fill="hold"/>
                                         <p:tgtEl>
                                           <p:spTgt spid="6"/>
                                         </p:tgtEl>
@@ -12995,32 +14945,32 @@
                     </p:cTn>
                   </p:par>
                   <p:par>
-                    <p:cTn id="15" fill="hold">
+                    <p:cTn id="17" fill="hold">
                       <p:stCondLst>
                         <p:cond delay="indefinite"/>
                       </p:stCondLst>
                       <p:childTnLst>
                         <p:par>
-                          <p:cTn id="16" fill="hold">
+                          <p:cTn id="18" fill="hold">
                             <p:stCondLst>
                               <p:cond delay="0"/>
                             </p:stCondLst>
                             <p:childTnLst>
                               <p:par>
-                                <p:cTn id="17" presetID="2" presetClass="entr" presetSubtype="4" fill="hold" nodeType="clickEffect">
+                                <p:cTn id="19" presetID="1" presetClass="entr" presetSubtype="0" fill="hold" nodeType="clickEffect">
                                   <p:stCondLst>
                                     <p:cond delay="0"/>
                                   </p:stCondLst>
                                   <p:childTnLst>
                                     <p:set>
                                       <p:cBhvr>
-                                        <p:cTn id="18" dur="1" fill="hold">
+                                        <p:cTn id="20" dur="1" fill="hold">
                                           <p:stCondLst>
                                             <p:cond delay="0"/>
                                           </p:stCondLst>
                                         </p:cTn>
                                         <p:tgtEl>
-                                          <p:spTgt spid="5"/>
+                                          <p:spTgt spid="9"/>
                                         </p:tgtEl>
                                         <p:attrNameLst>
                                           <p:attrName>style.visibility</p:attrName>
@@ -13030,52 +14980,6 @@
                                         <p:strVal val="visible"/>
                                       </p:to>
                                     </p:set>
-                                    <p:anim calcmode="lin" valueType="num">
-                                      <p:cBhvr additive="base">
-                                        <p:cTn id="19" dur="500" fill="hold"/>
-                                        <p:tgtEl>
-                                          <p:spTgt spid="5"/>
-                                        </p:tgtEl>
-                                        <p:attrNameLst>
-                                          <p:attrName>ppt_x</p:attrName>
-                                        </p:attrNameLst>
-                                      </p:cBhvr>
-                                      <p:tavLst>
-                                        <p:tav tm="0">
-                                          <p:val>
-                                            <p:strVal val="#ppt_x"/>
-                                          </p:val>
-                                        </p:tav>
-                                        <p:tav tm="100000">
-                                          <p:val>
-                                            <p:strVal val="#ppt_x"/>
-                                          </p:val>
-                                        </p:tav>
-                                      </p:tavLst>
-                                    </p:anim>
-                                    <p:anim calcmode="lin" valueType="num">
-                                      <p:cBhvr additive="base">
-                                        <p:cTn id="20" dur="500" fill="hold"/>
-                                        <p:tgtEl>
-                                          <p:spTgt spid="5"/>
-                                        </p:tgtEl>
-                                        <p:attrNameLst>
-                                          <p:attrName>ppt_y</p:attrName>
-                                        </p:attrNameLst>
-                                      </p:cBhvr>
-                                      <p:tavLst>
-                                        <p:tav tm="0">
-                                          <p:val>
-                                            <p:strVal val="1+#ppt_h/2"/>
-                                          </p:val>
-                                        </p:tav>
-                                        <p:tav tm="100000">
-                                          <p:val>
-                                            <p:strVal val="#ppt_y"/>
-                                          </p:val>
-                                        </p:tav>
-                                      </p:tavLst>
-                                    </p:anim>
                                   </p:childTnLst>
                                 </p:cTn>
                               </p:par>
@@ -13098,7 +15002,7 @@
                             </p:stCondLst>
                             <p:childTnLst>
                               <p:par>
-                                <p:cTn id="23" presetID="1" presetClass="entr" presetSubtype="0" fill="hold" nodeType="clickEffect">
+                                <p:cTn id="23" presetID="2" presetClass="entr" presetSubtype="4" fill="hold" nodeType="clickEffect">
                                   <p:stCondLst>
                                     <p:cond delay="0"/>
                                   </p:stCondLst>
@@ -13111,7 +15015,7 @@
                                           </p:stCondLst>
                                         </p:cTn>
                                         <p:tgtEl>
-                                          <p:spTgt spid="9"/>
+                                          <p:spTgt spid="8"/>
                                         </p:tgtEl>
                                         <p:attrNameLst>
                                           <p:attrName>style.visibility</p:attrName>
@@ -13121,33 +15025,52 @@
                                         <p:strVal val="visible"/>
                                       </p:to>
                                     </p:set>
-                                  </p:childTnLst>
-                                </p:cTn>
-                              </p:par>
-                              <p:par>
-                                <p:cTn id="25" presetID="1" presetClass="entr" presetSubtype="0" fill="hold" nodeType="withEffect">
-                                  <p:stCondLst>
-                                    <p:cond delay="0"/>
-                                  </p:stCondLst>
-                                  <p:childTnLst>
-                                    <p:set>
-                                      <p:cBhvr>
-                                        <p:cTn id="26" dur="1" fill="hold">
-                                          <p:stCondLst>
-                                            <p:cond delay="0"/>
-                                          </p:stCondLst>
-                                        </p:cTn>
+                                    <p:anim calcmode="lin" valueType="num">
+                                      <p:cBhvr additive="base">
+                                        <p:cTn id="25" dur="500" fill="hold"/>
                                         <p:tgtEl>
-                                          <p:spTgt spid="7"/>
+                                          <p:spTgt spid="8"/>
                                         </p:tgtEl>
                                         <p:attrNameLst>
-                                          <p:attrName>style.visibility</p:attrName>
+                                          <p:attrName>ppt_x</p:attrName>
                                         </p:attrNameLst>
                                       </p:cBhvr>
-                                      <p:to>
-                                        <p:strVal val="visible"/>
-                                      </p:to>
-                                    </p:set>
+                                      <p:tavLst>
+                                        <p:tav tm="0">
+                                          <p:val>
+                                            <p:strVal val="#ppt_x"/>
+                                          </p:val>
+                                        </p:tav>
+                                        <p:tav tm="100000">
+                                          <p:val>
+                                            <p:strVal val="#ppt_x"/>
+                                          </p:val>
+                                        </p:tav>
+                                      </p:tavLst>
+                                    </p:anim>
+                                    <p:anim calcmode="lin" valueType="num">
+                                      <p:cBhvr additive="base">
+                                        <p:cTn id="26" dur="500" fill="hold"/>
+                                        <p:tgtEl>
+                                          <p:spTgt spid="8"/>
+                                        </p:tgtEl>
+                                        <p:attrNameLst>
+                                          <p:attrName>ppt_y</p:attrName>
+                                        </p:attrNameLst>
+                                      </p:cBhvr>
+                                      <p:tavLst>
+                                        <p:tav tm="0">
+                                          <p:val>
+                                            <p:strVal val="1+#ppt_h/2"/>
+                                          </p:val>
+                                        </p:tav>
+                                        <p:tav tm="100000">
+                                          <p:val>
+                                            <p:strVal val="#ppt_y"/>
+                                          </p:val>
+                                        </p:tav>
+                                      </p:tavLst>
+                                    </p:anim>
                                   </p:childTnLst>
                                 </p:cTn>
                               </p:par>
@@ -13182,7 +15105,7 @@
 </p:sld>
 </file>
 
-<file path=ppt/slides/slide4.xml><?xml version="1.0" encoding="utf-8"?>
+<file path=ppt/slides/slide5.xml><?xml version="1.0" encoding="utf-8"?>
 <p:sld xmlns:a="http://schemas.openxmlformats.org/drawingml/2006/main" xmlns:r="http://schemas.openxmlformats.org/officeDocument/2006/relationships" xmlns:p="http://schemas.openxmlformats.org/presentationml/2006/main">
   <p:cSld>
     <p:spTree>
@@ -13217,8 +15140,8 @@
         </p:nvSpPr>
         <p:spPr>
           <a:xfrm>
-            <a:off x="1728787" y="808056"/>
-            <a:ext cx="4255064" cy="1077229"/>
+            <a:off x="2389239" y="808056"/>
+            <a:ext cx="3996812" cy="784771"/>
           </a:xfrm>
         </p:spPr>
         <p:txBody>
@@ -13261,7 +15184,7 @@
         </p:xfrm>
         <a:graphic>
           <a:graphicData uri="http://schemas.openxmlformats.org/drawingml/2006/diagram">
-            <dgm:relIds xmlns:dgm="http://schemas.openxmlformats.org/drawingml/2006/diagram" xmlns:r="http://schemas.openxmlformats.org/officeDocument/2006/relationships" r:dm="rId2" r:lo="rId3" r:qs="rId4" r:cs="rId5"/>
+            <dgm:relIds xmlns:dgm="http://schemas.openxmlformats.org/drawingml/2006/diagram" xmlns:r="http://schemas.openxmlformats.org/officeDocument/2006/relationships" r:dm="rId3" r:lo="rId4" r:qs="rId5" r:cs="rId6"/>
           </a:graphicData>
         </a:graphic>
       </p:graphicFrame>
@@ -14410,7 +16333,7 @@
 </p:sld>
 </file>
 
-<file path=ppt/slides/slide5.xml><?xml version="1.0" encoding="utf-8"?>
+<file path=ppt/slides/slide6.xml><?xml version="1.0" encoding="utf-8"?>
 <p:sld xmlns:a="http://schemas.openxmlformats.org/drawingml/2006/main" xmlns:r="http://schemas.openxmlformats.org/officeDocument/2006/relationships" xmlns:p="http://schemas.openxmlformats.org/presentationml/2006/main">
   <p:cSld>
     <p:spTree>
@@ -14496,6 +16419,7 @@
       <p:graphicFrame>
         <p:nvGraphicFramePr>
           <p:cNvPr id="2" name="Object 1">
+            <a:hlinkClick r:id="rId4"/>
             <a:extLst>
               <a:ext uri="{FF2B5EF4-FFF2-40B4-BE49-F238E27FC236}">
                 <a16:creationId xmlns:a16="http://schemas.microsoft.com/office/drawing/2014/main" id="{1A8F112F-4768-4413-F8EE-16FA796A01F0}"/>
@@ -14508,25 +16432,25 @@
           <p:nvPr>
             <p:extLst>
               <p:ext uri="{D42A27DB-BD31-4B8C-83A1-F6EECF244321}">
-                <p14:modId xmlns:p14="http://schemas.microsoft.com/office/powerpoint/2010/main" val="1123420101"/>
+                <p14:modId xmlns:p14="http://schemas.microsoft.com/office/powerpoint/2010/main" val="1861573664"/>
               </p:ext>
             </p:extLst>
           </p:nvPr>
         </p:nvGraphicFramePr>
         <p:xfrm>
-          <a:off x="539931" y="6168585"/>
-          <a:ext cx="1246007" cy="689415"/>
+          <a:off x="8282835" y="6077885"/>
+          <a:ext cx="1139441" cy="689415"/>
         </p:xfrm>
         <a:graphic>
           <a:graphicData uri="http://schemas.openxmlformats.org/presentationml/2006/ole">
             <mc:AlternateContent xmlns:mc="http://schemas.openxmlformats.org/markup-compatibility/2006">
               <mc:Choice xmlns:v="urn:schemas-microsoft-com:vml" Requires="v">
-                <p:oleObj name="Packager Shell Object" showAsIcon="1" r:id="rId4" imgW="938320" imgH="519339" progId="Package">
+                <p:oleObj name="Packager Shell Object" showAsIcon="1" r:id="rId5" imgW="938320" imgH="519339" progId="Package">
                   <p:embed/>
                 </p:oleObj>
               </mc:Choice>
               <mc:Fallback>
-                <p:oleObj name="Packager Shell Object" showAsIcon="1" r:id="rId4" imgW="938320" imgH="519339" progId="Package">
+                <p:oleObj name="Packager Shell Object" showAsIcon="1" r:id="rId5" imgW="938320" imgH="519339" progId="Package">
                   <p:embed/>
                   <p:pic>
                     <p:nvPicPr>
@@ -14541,15 +16465,15 @@
                       <p:nvPr/>
                     </p:nvPicPr>
                     <p:blipFill>
-                      <a:blip r:embed="rId5"/>
+                      <a:blip r:embed="rId6"/>
                       <a:stretch>
                         <a:fillRect/>
                       </a:stretch>
                     </p:blipFill>
                     <p:spPr>
                       <a:xfrm>
-                        <a:off x="539931" y="6168585"/>
-                        <a:ext cx="1246007" cy="689415"/>
+                        <a:off x="8282835" y="6077885"/>
+                        <a:ext cx="1139441" cy="689415"/>
                       </a:xfrm>
                       <a:prstGeom prst="rect">
                         <a:avLst/>
@@ -14565,6 +16489,7 @@
       <p:graphicFrame>
         <p:nvGraphicFramePr>
           <p:cNvPr id="5" name="Object 4">
+            <a:hlinkClick r:id="rId2"/>
             <a:extLst>
               <a:ext uri="{FF2B5EF4-FFF2-40B4-BE49-F238E27FC236}">
                 <a16:creationId xmlns:a16="http://schemas.microsoft.com/office/drawing/2014/main" id="{EC4D56B5-7F82-1244-4440-31821C54CA5F}"/>
@@ -14577,25 +16502,25 @@
           <p:nvPr>
             <p:extLst>
               <p:ext uri="{D42A27DB-BD31-4B8C-83A1-F6EECF244321}">
-                <p14:modId xmlns:p14="http://schemas.microsoft.com/office/powerpoint/2010/main" val="466307521"/>
+                <p14:modId xmlns:p14="http://schemas.microsoft.com/office/powerpoint/2010/main" val="1539143199"/>
               </p:ext>
             </p:extLst>
           </p:nvPr>
         </p:nvGraphicFramePr>
         <p:xfrm>
-          <a:off x="1679373" y="6140009"/>
+          <a:off x="9496017" y="6049309"/>
           <a:ext cx="901038" cy="738445"/>
         </p:xfrm>
         <a:graphic>
           <a:graphicData uri="http://schemas.openxmlformats.org/presentationml/2006/ole">
             <mc:AlternateContent xmlns:mc="http://schemas.openxmlformats.org/markup-compatibility/2006">
               <mc:Choice xmlns:v="urn:schemas-microsoft-com:vml" Requires="v">
-                <p:oleObj name="Packager Shell Object" showAsIcon="1" r:id="rId6" imgW="633570" imgH="519339" progId="Package">
+                <p:oleObj name="Packager Shell Object" showAsIcon="1" r:id="rId7" imgW="633570" imgH="519339" progId="Package">
                   <p:embed/>
                 </p:oleObj>
               </mc:Choice>
               <mc:Fallback>
-                <p:oleObj name="Packager Shell Object" showAsIcon="1" r:id="rId6" imgW="633570" imgH="519339" progId="Package">
+                <p:oleObj name="Packager Shell Object" showAsIcon="1" r:id="rId7" imgW="633570" imgH="519339" progId="Package">
                   <p:embed/>
                   <p:pic>
                     <p:nvPicPr>
@@ -14610,14 +16535,14 @@
                       <p:nvPr/>
                     </p:nvPicPr>
                     <p:blipFill>
-                      <a:blip r:embed="rId7"/>
+                      <a:blip r:embed="rId8"/>
                       <a:stretch>
                         <a:fillRect/>
                       </a:stretch>
                     </p:blipFill>
                     <p:spPr>
                       <a:xfrm>
-                        <a:off x="1679373" y="6140009"/>
+                        <a:off x="9496017" y="6049309"/>
                         <a:ext cx="901038" cy="738445"/>
                       </a:xfrm>
                       <a:prstGeom prst="rect">
@@ -14631,6 +16556,39 @@
           </a:graphicData>
         </a:graphic>
       </p:graphicFrame>
+      <p:sp>
+        <p:nvSpPr>
+          <p:cNvPr id="6" name="TextBox 5">
+            <a:extLst>
+              <a:ext uri="{FF2B5EF4-FFF2-40B4-BE49-F238E27FC236}">
+                <a16:creationId xmlns:a16="http://schemas.microsoft.com/office/drawing/2014/main" id="{7231414A-24D7-7862-7D56-1E4ECA0C12EE}"/>
+              </a:ext>
+            </a:extLst>
+          </p:cNvPr>
+          <p:cNvSpPr txBox="1"/>
+          <p:nvPr/>
+        </p:nvSpPr>
+        <p:spPr>
+          <a:xfrm>
+            <a:off x="4232787" y="6327058"/>
+            <a:ext cx="184731" cy="369332"/>
+          </a:xfrm>
+          <a:prstGeom prst="rect">
+            <a:avLst/>
+          </a:prstGeom>
+          <a:noFill/>
+        </p:spPr>
+        <p:txBody>
+          <a:bodyPr wrap="none" rtlCol="0">
+            <a:spAutoFit/>
+          </a:bodyPr>
+          <a:lstStyle/>
+          <a:p>
+            <a:pPr marL="0" algn="r" defTabSz="457200" rtl="1" eaLnBrk="1" latinLnBrk="0" hangingPunct="1"/>
+            <a:endParaRPr lang="en-IL" dirty="0"/>
+          </a:p>
+        </p:txBody>
+      </p:sp>
     </p:spTree>
     <p:extLst>
       <p:ext uri="{BB962C8B-B14F-4D97-AF65-F5344CB8AC3E}">
@@ -14644,6 +16602,557 @@
   <p:transition spd="slow">
     <p:wipe/>
   </p:transition>
+</p:sld>
+</file>
+
+<file path=ppt/slides/slide7.xml><?xml version="1.0" encoding="utf-8"?>
+<p:sld xmlns:a="http://schemas.openxmlformats.org/drawingml/2006/main" xmlns:r="http://schemas.openxmlformats.org/officeDocument/2006/relationships" xmlns:p="http://schemas.openxmlformats.org/presentationml/2006/main">
+  <p:cSld>
+    <p:spTree>
+      <p:nvGrpSpPr>
+        <p:cNvPr id="1" name=""/>
+        <p:cNvGrpSpPr/>
+        <p:nvPr/>
+      </p:nvGrpSpPr>
+      <p:grpSpPr>
+        <a:xfrm>
+          <a:off x="0" y="0"/>
+          <a:ext cx="0" cy="0"/>
+          <a:chOff x="0" y="0"/>
+          <a:chExt cx="0" cy="0"/>
+        </a:xfrm>
+      </p:grpSpPr>
+      <p:sp>
+        <p:nvSpPr>
+          <p:cNvPr id="3" name="Content Placeholder 2">
+            <a:extLst>
+              <a:ext uri="{FF2B5EF4-FFF2-40B4-BE49-F238E27FC236}">
+                <a16:creationId xmlns:a16="http://schemas.microsoft.com/office/drawing/2014/main" id="{B2D49DEC-A9A4-6F65-6F7B-6CA879E63A8F}"/>
+              </a:ext>
+            </a:extLst>
+          </p:cNvPr>
+          <p:cNvSpPr>
+            <a:spLocks noGrp="1"/>
+          </p:cNvSpPr>
+          <p:nvPr>
+            <p:ph idx="1"/>
+          </p:nvPr>
+        </p:nvSpPr>
+        <p:spPr>
+          <a:xfrm>
+            <a:off x="2099638" y="3429000"/>
+            <a:ext cx="7992724" cy="617342"/>
+          </a:xfrm>
+        </p:spPr>
+        <p:txBody>
+          <a:bodyPr>
+            <a:noAutofit/>
+          </a:bodyPr>
+          <a:lstStyle/>
+          <a:p>
+            <a:pPr marL="0" indent="0">
+              <a:buNone/>
+            </a:pPr>
+            <a:r>
+              <a:rPr lang="en-IL" sz="4800" dirty="0"/>
+              <a:t>Thank you for listening </a:t>
+            </a:r>
+            <a:r>
+              <a:rPr lang="en-IL" sz="4800" dirty="0">
+                <a:sym typeface="Wingdings" pitchFamily="2" charset="2"/>
+              </a:rPr>
+              <a:t> </a:t>
+            </a:r>
+            <a:endParaRPr lang="en-IL" sz="4800" dirty="0"/>
+          </a:p>
+        </p:txBody>
+      </p:sp>
+      <p:sp>
+        <p:nvSpPr>
+          <p:cNvPr id="4" name="TextBox 3">
+            <a:extLst>
+              <a:ext uri="{FF2B5EF4-FFF2-40B4-BE49-F238E27FC236}">
+                <a16:creationId xmlns:a16="http://schemas.microsoft.com/office/drawing/2014/main" id="{EAB2E2A8-0627-2375-69F6-8A591F5A62C5}"/>
+              </a:ext>
+            </a:extLst>
+          </p:cNvPr>
+          <p:cNvSpPr txBox="1"/>
+          <p:nvPr/>
+        </p:nvSpPr>
+        <p:spPr>
+          <a:xfrm>
+            <a:off x="9394723" y="6297560"/>
+            <a:ext cx="1799303" cy="369332"/>
+          </a:xfrm>
+          <a:prstGeom prst="rect">
+            <a:avLst/>
+          </a:prstGeom>
+          <a:noFill/>
+        </p:spPr>
+        <p:txBody>
+          <a:bodyPr wrap="square" rtlCol="0">
+            <a:spAutoFit/>
+          </a:bodyPr>
+          <a:lstStyle/>
+          <a:p>
+            <a:r>
+              <a:rPr lang="en-IL" sz="1800" dirty="0">
+                <a:sym typeface="Wingdings" pitchFamily="2" charset="2"/>
+              </a:rPr>
+              <a:t>AIHOPS Group</a:t>
+            </a:r>
+            <a:endParaRPr lang="en-IL" dirty="0"/>
+          </a:p>
+        </p:txBody>
+      </p:sp>
+    </p:spTree>
+    <p:extLst>
+      <p:ext uri="{BB962C8B-B14F-4D97-AF65-F5344CB8AC3E}">
+        <p14:creationId xmlns:p14="http://schemas.microsoft.com/office/powerpoint/2010/main" val="11476628"/>
+      </p:ext>
+    </p:extLst>
+  </p:cSld>
+  <p:clrMapOvr>
+    <a:masterClrMapping/>
+  </p:clrMapOvr>
+  <p:timing>
+    <p:tnLst>
+      <p:par>
+        <p:cTn id="1" dur="indefinite" restart="never" nodeType="tmRoot">
+          <p:childTnLst>
+            <p:seq concurrent="1" nextAc="seek">
+              <p:cTn id="2" dur="indefinite" nodeType="mainSeq">
+                <p:childTnLst>
+                  <p:par>
+                    <p:cTn id="3" fill="hold">
+                      <p:stCondLst>
+                        <p:cond delay="indefinite"/>
+                        <p:cond evt="onBegin" delay="0">
+                          <p:tn val="2"/>
+                        </p:cond>
+                      </p:stCondLst>
+                      <p:childTnLst>
+                        <p:par>
+                          <p:cTn id="4" fill="hold">
+                            <p:stCondLst>
+                              <p:cond delay="0"/>
+                            </p:stCondLst>
+                            <p:childTnLst>
+                              <p:par>
+                                <p:cTn id="5" presetID="26" presetClass="entr" presetSubtype="0" fill="hold" grpId="0" nodeType="afterEffect">
+                                  <p:stCondLst>
+                                    <p:cond delay="0"/>
+                                  </p:stCondLst>
+                                  <p:childTnLst>
+                                    <p:set>
+                                      <p:cBhvr>
+                                        <p:cTn id="6" dur="1" fill="hold">
+                                          <p:stCondLst>
+                                            <p:cond delay="0"/>
+                                          </p:stCondLst>
+                                        </p:cTn>
+                                        <p:tgtEl>
+                                          <p:spTgt spid="3">
+                                            <p:txEl>
+                                              <p:pRg st="0" end="0"/>
+                                            </p:txEl>
+                                          </p:spTgt>
+                                        </p:tgtEl>
+                                        <p:attrNameLst>
+                                          <p:attrName>style.visibility</p:attrName>
+                                        </p:attrNameLst>
+                                      </p:cBhvr>
+                                      <p:to>
+                                        <p:strVal val="visible"/>
+                                      </p:to>
+                                    </p:set>
+                                    <p:animEffect transition="in" filter="wipe(down)">
+                                      <p:cBhvr>
+                                        <p:cTn id="7" dur="580">
+                                          <p:stCondLst>
+                                            <p:cond delay="0"/>
+                                          </p:stCondLst>
+                                        </p:cTn>
+                                        <p:tgtEl>
+                                          <p:spTgt spid="3">
+                                            <p:txEl>
+                                              <p:pRg st="0" end="0"/>
+                                            </p:txEl>
+                                          </p:spTgt>
+                                        </p:tgtEl>
+                                      </p:cBhvr>
+                                    </p:animEffect>
+                                    <p:anim calcmode="lin" valueType="num">
+                                      <p:cBhvr>
+                                        <p:cTn id="8" dur="1822" tmFilter="0,0; 0.14,0.36; 0.43,0.73; 0.71,0.91; 1.0,1.0">
+                                          <p:stCondLst>
+                                            <p:cond delay="0"/>
+                                          </p:stCondLst>
+                                        </p:cTn>
+                                        <p:tgtEl>
+                                          <p:spTgt spid="3">
+                                            <p:txEl>
+                                              <p:pRg st="0" end="0"/>
+                                            </p:txEl>
+                                          </p:spTgt>
+                                        </p:tgtEl>
+                                        <p:attrNameLst>
+                                          <p:attrName>ppt_x</p:attrName>
+                                        </p:attrNameLst>
+                                      </p:cBhvr>
+                                      <p:tavLst>
+                                        <p:tav tm="0">
+                                          <p:val>
+                                            <p:strVal val="#ppt_x-0.25"/>
+                                          </p:val>
+                                        </p:tav>
+                                        <p:tav tm="100000">
+                                          <p:val>
+                                            <p:strVal val="#ppt_x"/>
+                                          </p:val>
+                                        </p:tav>
+                                      </p:tavLst>
+                                    </p:anim>
+                                    <p:anim calcmode="lin" valueType="num">
+                                      <p:cBhvr>
+                                        <p:cTn id="9" dur="664" tmFilter="0.0,0.0; 0.25,0.07; 0.50,0.2; 0.75,0.467; 1.0,1.0">
+                                          <p:stCondLst>
+                                            <p:cond delay="0"/>
+                                          </p:stCondLst>
+                                        </p:cTn>
+                                        <p:tgtEl>
+                                          <p:spTgt spid="3">
+                                            <p:txEl>
+                                              <p:pRg st="0" end="0"/>
+                                            </p:txEl>
+                                          </p:spTgt>
+                                        </p:tgtEl>
+                                        <p:attrNameLst>
+                                          <p:attrName>ppt_y</p:attrName>
+                                        </p:attrNameLst>
+                                      </p:cBhvr>
+                                      <p:tavLst>
+                                        <p:tav tm="0" fmla="#ppt_y-sin(pi*$)/3">
+                                          <p:val>
+                                            <p:fltVal val="0.5"/>
+                                          </p:val>
+                                        </p:tav>
+                                        <p:tav tm="100000">
+                                          <p:val>
+                                            <p:fltVal val="1"/>
+                                          </p:val>
+                                        </p:tav>
+                                      </p:tavLst>
+                                    </p:anim>
+                                    <p:anim calcmode="lin" valueType="num">
+                                      <p:cBhvr>
+                                        <p:cTn id="10" dur="664" tmFilter="0, 0; 0.125,0.2665; 0.25,0.4; 0.375,0.465; 0.5,0.5;  0.625,0.535; 0.75,0.6; 0.875,0.7335; 1,1">
+                                          <p:stCondLst>
+                                            <p:cond delay="664"/>
+                                          </p:stCondLst>
+                                        </p:cTn>
+                                        <p:tgtEl>
+                                          <p:spTgt spid="3">
+                                            <p:txEl>
+                                              <p:pRg st="0" end="0"/>
+                                            </p:txEl>
+                                          </p:spTgt>
+                                        </p:tgtEl>
+                                        <p:attrNameLst>
+                                          <p:attrName>ppt_y</p:attrName>
+                                        </p:attrNameLst>
+                                      </p:cBhvr>
+                                      <p:tavLst>
+                                        <p:tav tm="0" fmla="#ppt_y-sin(pi*$)/9">
+                                          <p:val>
+                                            <p:fltVal val="0"/>
+                                          </p:val>
+                                        </p:tav>
+                                        <p:tav tm="100000">
+                                          <p:val>
+                                            <p:fltVal val="1"/>
+                                          </p:val>
+                                        </p:tav>
+                                      </p:tavLst>
+                                    </p:anim>
+                                    <p:anim calcmode="lin" valueType="num">
+                                      <p:cBhvr>
+                                        <p:cTn id="11" dur="332" tmFilter="0, 0; 0.125,0.2665; 0.25,0.4; 0.375,0.465; 0.5,0.5;  0.625,0.535; 0.75,0.6; 0.875,0.7335; 1,1">
+                                          <p:stCondLst>
+                                            <p:cond delay="1324"/>
+                                          </p:stCondLst>
+                                        </p:cTn>
+                                        <p:tgtEl>
+                                          <p:spTgt spid="3">
+                                            <p:txEl>
+                                              <p:pRg st="0" end="0"/>
+                                            </p:txEl>
+                                          </p:spTgt>
+                                        </p:tgtEl>
+                                        <p:attrNameLst>
+                                          <p:attrName>ppt_y</p:attrName>
+                                        </p:attrNameLst>
+                                      </p:cBhvr>
+                                      <p:tavLst>
+                                        <p:tav tm="0" fmla="#ppt_y-sin(pi*$)/27">
+                                          <p:val>
+                                            <p:fltVal val="0"/>
+                                          </p:val>
+                                        </p:tav>
+                                        <p:tav tm="100000">
+                                          <p:val>
+                                            <p:fltVal val="1"/>
+                                          </p:val>
+                                        </p:tav>
+                                      </p:tavLst>
+                                    </p:anim>
+                                    <p:anim calcmode="lin" valueType="num">
+                                      <p:cBhvr>
+                                        <p:cTn id="12" dur="164" tmFilter="0, 0; 0.125,0.2665; 0.25,0.4; 0.375,0.465; 0.5,0.5;  0.625,0.535; 0.75,0.6; 0.875,0.7335; 1,1">
+                                          <p:stCondLst>
+                                            <p:cond delay="1656"/>
+                                          </p:stCondLst>
+                                        </p:cTn>
+                                        <p:tgtEl>
+                                          <p:spTgt spid="3">
+                                            <p:txEl>
+                                              <p:pRg st="0" end="0"/>
+                                            </p:txEl>
+                                          </p:spTgt>
+                                        </p:tgtEl>
+                                        <p:attrNameLst>
+                                          <p:attrName>ppt_y</p:attrName>
+                                        </p:attrNameLst>
+                                      </p:cBhvr>
+                                      <p:tavLst>
+                                        <p:tav tm="0" fmla="#ppt_y-sin(pi*$)/81">
+                                          <p:val>
+                                            <p:fltVal val="0"/>
+                                          </p:val>
+                                        </p:tav>
+                                        <p:tav tm="100000">
+                                          <p:val>
+                                            <p:fltVal val="1"/>
+                                          </p:val>
+                                        </p:tav>
+                                      </p:tavLst>
+                                    </p:anim>
+                                    <p:animScale>
+                                      <p:cBhvr>
+                                        <p:cTn id="13" dur="26">
+                                          <p:stCondLst>
+                                            <p:cond delay="650"/>
+                                          </p:stCondLst>
+                                        </p:cTn>
+                                        <p:tgtEl>
+                                          <p:spTgt spid="3">
+                                            <p:txEl>
+                                              <p:pRg st="0" end="0"/>
+                                            </p:txEl>
+                                          </p:spTgt>
+                                        </p:tgtEl>
+                                      </p:cBhvr>
+                                      <p:to x="100000" y="60000"/>
+                                    </p:animScale>
+                                    <p:animScale>
+                                      <p:cBhvr>
+                                        <p:cTn id="14" dur="166" decel="50000">
+                                          <p:stCondLst>
+                                            <p:cond delay="676"/>
+                                          </p:stCondLst>
+                                        </p:cTn>
+                                        <p:tgtEl>
+                                          <p:spTgt spid="3">
+                                            <p:txEl>
+                                              <p:pRg st="0" end="0"/>
+                                            </p:txEl>
+                                          </p:spTgt>
+                                        </p:tgtEl>
+                                      </p:cBhvr>
+                                      <p:to x="100000" y="100000"/>
+                                    </p:animScale>
+                                    <p:animScale>
+                                      <p:cBhvr>
+                                        <p:cTn id="15" dur="26">
+                                          <p:stCondLst>
+                                            <p:cond delay="1312"/>
+                                          </p:stCondLst>
+                                        </p:cTn>
+                                        <p:tgtEl>
+                                          <p:spTgt spid="3">
+                                            <p:txEl>
+                                              <p:pRg st="0" end="0"/>
+                                            </p:txEl>
+                                          </p:spTgt>
+                                        </p:tgtEl>
+                                      </p:cBhvr>
+                                      <p:to x="100000" y="80000"/>
+                                    </p:animScale>
+                                    <p:animScale>
+                                      <p:cBhvr>
+                                        <p:cTn id="16" dur="166" decel="50000">
+                                          <p:stCondLst>
+                                            <p:cond delay="1338"/>
+                                          </p:stCondLst>
+                                        </p:cTn>
+                                        <p:tgtEl>
+                                          <p:spTgt spid="3">
+                                            <p:txEl>
+                                              <p:pRg st="0" end="0"/>
+                                            </p:txEl>
+                                          </p:spTgt>
+                                        </p:tgtEl>
+                                      </p:cBhvr>
+                                      <p:to x="100000" y="100000"/>
+                                    </p:animScale>
+                                    <p:animScale>
+                                      <p:cBhvr>
+                                        <p:cTn id="17" dur="26">
+                                          <p:stCondLst>
+                                            <p:cond delay="1642"/>
+                                          </p:stCondLst>
+                                        </p:cTn>
+                                        <p:tgtEl>
+                                          <p:spTgt spid="3">
+                                            <p:txEl>
+                                              <p:pRg st="0" end="0"/>
+                                            </p:txEl>
+                                          </p:spTgt>
+                                        </p:tgtEl>
+                                      </p:cBhvr>
+                                      <p:to x="100000" y="90000"/>
+                                    </p:animScale>
+                                    <p:animScale>
+                                      <p:cBhvr>
+                                        <p:cTn id="18" dur="166" decel="50000">
+                                          <p:stCondLst>
+                                            <p:cond delay="1668"/>
+                                          </p:stCondLst>
+                                        </p:cTn>
+                                        <p:tgtEl>
+                                          <p:spTgt spid="3">
+                                            <p:txEl>
+                                              <p:pRg st="0" end="0"/>
+                                            </p:txEl>
+                                          </p:spTgt>
+                                        </p:tgtEl>
+                                      </p:cBhvr>
+                                      <p:to x="100000" y="100000"/>
+                                    </p:animScale>
+                                    <p:animScale>
+                                      <p:cBhvr>
+                                        <p:cTn id="19" dur="26">
+                                          <p:stCondLst>
+                                            <p:cond delay="1808"/>
+                                          </p:stCondLst>
+                                        </p:cTn>
+                                        <p:tgtEl>
+                                          <p:spTgt spid="3">
+                                            <p:txEl>
+                                              <p:pRg st="0" end="0"/>
+                                            </p:txEl>
+                                          </p:spTgt>
+                                        </p:tgtEl>
+                                      </p:cBhvr>
+                                      <p:to x="100000" y="95000"/>
+                                    </p:animScale>
+                                    <p:animScale>
+                                      <p:cBhvr>
+                                        <p:cTn id="20" dur="166" decel="50000">
+                                          <p:stCondLst>
+                                            <p:cond delay="1834"/>
+                                          </p:stCondLst>
+                                        </p:cTn>
+                                        <p:tgtEl>
+                                          <p:spTgt spid="3">
+                                            <p:txEl>
+                                              <p:pRg st="0" end="0"/>
+                                            </p:txEl>
+                                          </p:spTgt>
+                                        </p:tgtEl>
+                                      </p:cBhvr>
+                                      <p:to x="100000" y="100000"/>
+                                    </p:animScale>
+                                  </p:childTnLst>
+                                </p:cTn>
+                              </p:par>
+                            </p:childTnLst>
+                          </p:cTn>
+                        </p:par>
+                      </p:childTnLst>
+                    </p:cTn>
+                  </p:par>
+                  <p:par>
+                    <p:cTn id="21" fill="hold">
+                      <p:stCondLst>
+                        <p:cond delay="indefinite"/>
+                      </p:stCondLst>
+                      <p:childTnLst>
+                        <p:par>
+                          <p:cTn id="22" fill="hold">
+                            <p:stCondLst>
+                              <p:cond delay="0"/>
+                            </p:stCondLst>
+                            <p:childTnLst>
+                              <p:par>
+                                <p:cTn id="23" presetID="1" presetClass="entr" presetSubtype="0" fill="hold" grpId="0" nodeType="clickEffect">
+                                  <p:stCondLst>
+                                    <p:cond delay="0"/>
+                                  </p:stCondLst>
+                                  <p:childTnLst>
+                                    <p:set>
+                                      <p:cBhvr>
+                                        <p:cTn id="24" dur="1" fill="hold">
+                                          <p:stCondLst>
+                                            <p:cond delay="0"/>
+                                          </p:stCondLst>
+                                        </p:cTn>
+                                        <p:tgtEl>
+                                          <p:spTgt spid="4"/>
+                                        </p:tgtEl>
+                                        <p:attrNameLst>
+                                          <p:attrName>style.visibility</p:attrName>
+                                        </p:attrNameLst>
+                                      </p:cBhvr>
+                                      <p:to>
+                                        <p:strVal val="visible"/>
+                                      </p:to>
+                                    </p:set>
+                                  </p:childTnLst>
+                                </p:cTn>
+                              </p:par>
+                            </p:childTnLst>
+                          </p:cTn>
+                        </p:par>
+                      </p:childTnLst>
+                    </p:cTn>
+                  </p:par>
+                </p:childTnLst>
+              </p:cTn>
+              <p:prevCondLst>
+                <p:cond evt="onPrev" delay="0">
+                  <p:tgtEl>
+                    <p:sldTgt/>
+                  </p:tgtEl>
+                </p:cond>
+              </p:prevCondLst>
+              <p:nextCondLst>
+                <p:cond evt="onNext" delay="0">
+                  <p:tgtEl>
+                    <p:sldTgt/>
+                  </p:tgtEl>
+                </p:cond>
+              </p:nextCondLst>
+            </p:seq>
+          </p:childTnLst>
+        </p:cTn>
+      </p:par>
+    </p:tnLst>
+    <p:bldLst>
+      <p:bldP spid="3" grpId="0" build="p"/>
+      <p:bldP spid="4" grpId="0"/>
+    </p:bldLst>
+  </p:timing>
 </p:sld>
 </file>
 
@@ -14866,4 +17375,319 @@
     </a:ext>
   </a:extLst>
 </a:theme>
+</file>
+
+<file path=ppt/theme/theme2.xml><?xml version="1.0" encoding="utf-8"?>
+<a:theme xmlns:a="http://schemas.openxmlformats.org/drawingml/2006/main" name="Office Theme">
+  <a:themeElements>
+    <a:clrScheme name="Office">
+      <a:dk1>
+        <a:sysClr val="windowText" lastClr="000000"/>
+      </a:dk1>
+      <a:lt1>
+        <a:sysClr val="window" lastClr="FFFFFF"/>
+      </a:lt1>
+      <a:dk2>
+        <a:srgbClr val="0E2841"/>
+      </a:dk2>
+      <a:lt2>
+        <a:srgbClr val="E8E8E8"/>
+      </a:lt2>
+      <a:accent1>
+        <a:srgbClr val="156082"/>
+      </a:accent1>
+      <a:accent2>
+        <a:srgbClr val="E97132"/>
+      </a:accent2>
+      <a:accent3>
+        <a:srgbClr val="196B24"/>
+      </a:accent3>
+      <a:accent4>
+        <a:srgbClr val="0F9ED5"/>
+      </a:accent4>
+      <a:accent5>
+        <a:srgbClr val="A02B93"/>
+      </a:accent5>
+      <a:accent6>
+        <a:srgbClr val="4EA72E"/>
+      </a:accent6>
+      <a:hlink>
+        <a:srgbClr val="467886"/>
+      </a:hlink>
+      <a:folHlink>
+        <a:srgbClr val="96607D"/>
+      </a:folHlink>
+    </a:clrScheme>
+    <a:fontScheme name="Office">
+      <a:majorFont>
+        <a:latin typeface="Aptos Display" panose="02110004020202020204"/>
+        <a:ea typeface=""/>
+        <a:cs typeface=""/>
+        <a:font script="Jpan" typeface="游ゴシック Light"/>
+        <a:font script="Hang" typeface="맑은 고딕"/>
+        <a:font script="Hans" typeface="等线 Light"/>
+        <a:font script="Hant" typeface="新細明體"/>
+        <a:font script="Arab" typeface="Times New Roman"/>
+        <a:font script="Hebr" typeface="Times New Roman"/>
+        <a:font script="Thai" typeface="Angsana New"/>
+        <a:font script="Ethi" typeface="Nyala"/>
+        <a:font script="Beng" typeface="Vrinda"/>
+        <a:font script="Gujr" typeface="Shruti"/>
+        <a:font script="Khmr" typeface="MoolBoran"/>
+        <a:font script="Knda" typeface="Tunga"/>
+        <a:font script="Guru" typeface="Raavi"/>
+        <a:font script="Cans" typeface="Euphemia"/>
+        <a:font script="Cher" typeface="Plantagenet Cherokee"/>
+        <a:font script="Yiii" typeface="Microsoft Yi Baiti"/>
+        <a:font script="Tibt" typeface="Microsoft Himalaya"/>
+        <a:font script="Thaa" typeface="MV Boli"/>
+        <a:font script="Deva" typeface="Mangal"/>
+        <a:font script="Telu" typeface="Gautami"/>
+        <a:font script="Taml" typeface="Latha"/>
+        <a:font script="Syrc" typeface="Estrangelo Edessa"/>
+        <a:font script="Orya" typeface="Kalinga"/>
+        <a:font script="Mlym" typeface="Kartika"/>
+        <a:font script="Laoo" typeface="DokChampa"/>
+        <a:font script="Sinh" typeface="Iskoola Pota"/>
+        <a:font script="Mong" typeface="Mongolian Baiti"/>
+        <a:font script="Viet" typeface="Times New Roman"/>
+        <a:font script="Uigh" typeface="Microsoft Uighur"/>
+        <a:font script="Geor" typeface="Sylfaen"/>
+        <a:font script="Armn" typeface="Arial"/>
+        <a:font script="Bugi" typeface="Leelawadee UI"/>
+        <a:font script="Bopo" typeface="Microsoft JhengHei"/>
+        <a:font script="Java" typeface="Javanese Text"/>
+        <a:font script="Lisu" typeface="Segoe UI"/>
+        <a:font script="Mymr" typeface="Myanmar Text"/>
+        <a:font script="Nkoo" typeface="Ebrima"/>
+        <a:font script="Olck" typeface="Nirmala UI"/>
+        <a:font script="Osma" typeface="Ebrima"/>
+        <a:font script="Phag" typeface="Phagspa"/>
+        <a:font script="Syrn" typeface="Estrangelo Edessa"/>
+        <a:font script="Syrj" typeface="Estrangelo Edessa"/>
+        <a:font script="Syre" typeface="Estrangelo Edessa"/>
+        <a:font script="Sora" typeface="Nirmala UI"/>
+        <a:font script="Tale" typeface="Microsoft Tai Le"/>
+        <a:font script="Talu" typeface="Microsoft New Tai Lue"/>
+        <a:font script="Tfng" typeface="Ebrima"/>
+      </a:majorFont>
+      <a:minorFont>
+        <a:latin typeface="Aptos" panose="02110004020202020204"/>
+        <a:ea typeface=""/>
+        <a:cs typeface=""/>
+        <a:font script="Jpan" typeface="游ゴシック"/>
+        <a:font script="Hang" typeface="맑은 고딕"/>
+        <a:font script="Hans" typeface="等线"/>
+        <a:font script="Hant" typeface="新細明體"/>
+        <a:font script="Arab" typeface="Arial"/>
+        <a:font script="Hebr" typeface="Arial"/>
+        <a:font script="Thai" typeface="Cordia New"/>
+        <a:font script="Ethi" typeface="Nyala"/>
+        <a:font script="Beng" typeface="Vrinda"/>
+        <a:font script="Gujr" typeface="Shruti"/>
+        <a:font script="Khmr" typeface="DaunPenh"/>
+        <a:font script="Knda" typeface="Tunga"/>
+        <a:font script="Guru" typeface="Raavi"/>
+        <a:font script="Cans" typeface="Euphemia"/>
+        <a:font script="Cher" typeface="Plantagenet Cherokee"/>
+        <a:font script="Yiii" typeface="Microsoft Yi Baiti"/>
+        <a:font script="Tibt" typeface="Microsoft Himalaya"/>
+        <a:font script="Thaa" typeface="MV Boli"/>
+        <a:font script="Deva" typeface="Mangal"/>
+        <a:font script="Telu" typeface="Gautami"/>
+        <a:font script="Taml" typeface="Latha"/>
+        <a:font script="Syrc" typeface="Estrangelo Edessa"/>
+        <a:font script="Orya" typeface="Kalinga"/>
+        <a:font script="Mlym" typeface="Kartika"/>
+        <a:font script="Laoo" typeface="DokChampa"/>
+        <a:font script="Sinh" typeface="Iskoola Pota"/>
+        <a:font script="Mong" typeface="Mongolian Baiti"/>
+        <a:font script="Viet" typeface="Arial"/>
+        <a:font script="Uigh" typeface="Microsoft Uighur"/>
+        <a:font script="Geor" typeface="Sylfaen"/>
+        <a:font script="Armn" typeface="Arial"/>
+        <a:font script="Bugi" typeface="Leelawadee UI"/>
+        <a:font script="Bopo" typeface="Microsoft JhengHei"/>
+        <a:font script="Java" typeface="Javanese Text"/>
+        <a:font script="Lisu" typeface="Segoe UI"/>
+        <a:font script="Mymr" typeface="Myanmar Text"/>
+        <a:font script="Nkoo" typeface="Ebrima"/>
+        <a:font script="Olck" typeface="Nirmala UI"/>
+        <a:font script="Osma" typeface="Ebrima"/>
+        <a:font script="Phag" typeface="Phagspa"/>
+        <a:font script="Syrn" typeface="Estrangelo Edessa"/>
+        <a:font script="Syrj" typeface="Estrangelo Edessa"/>
+        <a:font script="Syre" typeface="Estrangelo Edessa"/>
+        <a:font script="Sora" typeface="Nirmala UI"/>
+        <a:font script="Tale" typeface="Microsoft Tai Le"/>
+        <a:font script="Talu" typeface="Microsoft New Tai Lue"/>
+        <a:font script="Tfng" typeface="Ebrima"/>
+      </a:minorFont>
+    </a:fontScheme>
+    <a:fmtScheme name="Office">
+      <a:fillStyleLst>
+        <a:solidFill>
+          <a:schemeClr val="phClr"/>
+        </a:solidFill>
+        <a:gradFill rotWithShape="1">
+          <a:gsLst>
+            <a:gs pos="0">
+              <a:schemeClr val="phClr">
+                <a:lumMod val="110000"/>
+                <a:satMod val="105000"/>
+                <a:tint val="67000"/>
+              </a:schemeClr>
+            </a:gs>
+            <a:gs pos="50000">
+              <a:schemeClr val="phClr">
+                <a:lumMod val="105000"/>
+                <a:satMod val="103000"/>
+                <a:tint val="73000"/>
+              </a:schemeClr>
+            </a:gs>
+            <a:gs pos="100000">
+              <a:schemeClr val="phClr">
+                <a:lumMod val="105000"/>
+                <a:satMod val="109000"/>
+                <a:tint val="81000"/>
+              </a:schemeClr>
+            </a:gs>
+          </a:gsLst>
+          <a:lin ang="5400000" scaled="0"/>
+        </a:gradFill>
+        <a:gradFill rotWithShape="1">
+          <a:gsLst>
+            <a:gs pos="0">
+              <a:schemeClr val="phClr">
+                <a:satMod val="103000"/>
+                <a:lumMod val="102000"/>
+                <a:tint val="94000"/>
+              </a:schemeClr>
+            </a:gs>
+            <a:gs pos="50000">
+              <a:schemeClr val="phClr">
+                <a:satMod val="110000"/>
+                <a:lumMod val="100000"/>
+                <a:shade val="100000"/>
+              </a:schemeClr>
+            </a:gs>
+            <a:gs pos="100000">
+              <a:schemeClr val="phClr">
+                <a:lumMod val="99000"/>
+                <a:satMod val="120000"/>
+                <a:shade val="78000"/>
+              </a:schemeClr>
+            </a:gs>
+          </a:gsLst>
+          <a:lin ang="5400000" scaled="0"/>
+        </a:gradFill>
+      </a:fillStyleLst>
+      <a:lnStyleLst>
+        <a:ln w="12700" cap="flat" cmpd="sng" algn="ctr">
+          <a:solidFill>
+            <a:schemeClr val="phClr"/>
+          </a:solidFill>
+          <a:prstDash val="solid"/>
+          <a:miter lim="800000"/>
+        </a:ln>
+        <a:ln w="19050" cap="flat" cmpd="sng" algn="ctr">
+          <a:solidFill>
+            <a:schemeClr val="phClr"/>
+          </a:solidFill>
+          <a:prstDash val="solid"/>
+          <a:miter lim="800000"/>
+        </a:ln>
+        <a:ln w="25400" cap="flat" cmpd="sng" algn="ctr">
+          <a:solidFill>
+            <a:schemeClr val="phClr"/>
+          </a:solidFill>
+          <a:prstDash val="solid"/>
+          <a:miter lim="800000"/>
+        </a:ln>
+      </a:lnStyleLst>
+      <a:effectStyleLst>
+        <a:effectStyle>
+          <a:effectLst/>
+        </a:effectStyle>
+        <a:effectStyle>
+          <a:effectLst/>
+        </a:effectStyle>
+        <a:effectStyle>
+          <a:effectLst>
+            <a:outerShdw blurRad="57150" dist="19050" dir="5400000" algn="ctr" rotWithShape="0">
+              <a:srgbClr val="000000">
+                <a:alpha val="63000"/>
+              </a:srgbClr>
+            </a:outerShdw>
+          </a:effectLst>
+        </a:effectStyle>
+      </a:effectStyleLst>
+      <a:bgFillStyleLst>
+        <a:solidFill>
+          <a:schemeClr val="phClr"/>
+        </a:solidFill>
+        <a:solidFill>
+          <a:schemeClr val="phClr">
+            <a:tint val="95000"/>
+            <a:satMod val="170000"/>
+          </a:schemeClr>
+        </a:solidFill>
+        <a:gradFill rotWithShape="1">
+          <a:gsLst>
+            <a:gs pos="0">
+              <a:schemeClr val="phClr">
+                <a:tint val="93000"/>
+                <a:satMod val="150000"/>
+                <a:shade val="98000"/>
+                <a:lumMod val="102000"/>
+              </a:schemeClr>
+            </a:gs>
+            <a:gs pos="50000">
+              <a:schemeClr val="phClr">
+                <a:tint val="98000"/>
+                <a:satMod val="130000"/>
+                <a:shade val="90000"/>
+                <a:lumMod val="103000"/>
+              </a:schemeClr>
+            </a:gs>
+            <a:gs pos="100000">
+              <a:schemeClr val="phClr">
+                <a:shade val="63000"/>
+                <a:satMod val="120000"/>
+              </a:schemeClr>
+            </a:gs>
+          </a:gsLst>
+          <a:lin ang="5400000" scaled="0"/>
+        </a:gradFill>
+      </a:bgFillStyleLst>
+    </a:fmtScheme>
+  </a:themeElements>
+  <a:objectDefaults>
+    <a:lnDef>
+      <a:spPr/>
+      <a:bodyPr/>
+      <a:lstStyle/>
+      <a:style>
+        <a:lnRef idx="2">
+          <a:schemeClr val="accent1"/>
+        </a:lnRef>
+        <a:fillRef idx="0">
+          <a:schemeClr val="accent1"/>
+        </a:fillRef>
+        <a:effectRef idx="1">
+          <a:schemeClr val="accent1"/>
+        </a:effectRef>
+        <a:fontRef idx="minor">
+          <a:schemeClr val="tx1"/>
+        </a:fontRef>
+      </a:style>
+    </a:lnDef>
+  </a:objectDefaults>
+  <a:extraClrSchemeLst/>
+  <a:extLst>
+    <a:ext uri="{05A4C25C-085E-4340-85A3-A5531E510DB2}">
+      <thm15:themeFamily xmlns:thm15="http://schemas.microsoft.com/office/thememl/2012/main" name="Office Theme" id="{2E142A2C-CD16-42D6-873A-C26D2A0506FA}" vid="{1BDDFF52-6CD6-40A5-AB3C-68EB2F1E4D0A}"/>
+    </a:ext>
+  </a:extLst>
+</a:theme>
 </file>